--- a/Spotify data for songs 1950-2020.pptx
+++ b/Spotify data for songs 1950-2020.pptx
@@ -8,6 +8,18 @@
     <p:sldId id="256" r:id="rId2"/>
     <p:sldId id="257" r:id="rId3"/>
     <p:sldId id="258" r:id="rId4"/>
+    <p:sldId id="259" r:id="rId5"/>
+    <p:sldId id="270" r:id="rId6"/>
+    <p:sldId id="260" r:id="rId7"/>
+    <p:sldId id="261" r:id="rId8"/>
+    <p:sldId id="262" r:id="rId9"/>
+    <p:sldId id="264" r:id="rId10"/>
+    <p:sldId id="271" r:id="rId11"/>
+    <p:sldId id="263" r:id="rId12"/>
+    <p:sldId id="265" r:id="rId13"/>
+    <p:sldId id="269" r:id="rId14"/>
+    <p:sldId id="272" r:id="rId15"/>
+    <p:sldId id="273" r:id="rId16"/>
   </p:sldIdLst>
   <p:sldSz cx="12192000" cy="6858000"/>
   <p:notesSz cx="6858000" cy="9144000"/>
@@ -106,7 +118,702 @@
       </a:defRPr>
     </a:lvl9pPr>
   </p:defaultTextStyle>
+  <p:extLst>
+    <p:ext uri="{EFAFB233-063F-42B5-8137-9DF3F51BA10A}">
+      <p15:sldGuideLst xmlns:p15="http://schemas.microsoft.com/office/powerpoint/2012/main"/>
+    </p:ext>
+  </p:extLst>
 </p:presentation>
+</file>
+
+<file path=ppt/revisionInfo.xml><?xml version="1.0" encoding="utf-8"?>
+<p1510:revInfo xmlns:a="http://schemas.openxmlformats.org/drawingml/2006/main" xmlns:r="http://schemas.openxmlformats.org/officeDocument/2006/relationships" xmlns:p1510="http://schemas.microsoft.com/office/powerpoint/2015/10/main">
+  <p1510:revLst>
+    <p1510:client id="{CCA53D3A-0FB8-4AB2-A9A1-E5DD91239723}" v="9" dt="2023-04-21T13:36:42.341"/>
+  </p1510:revLst>
+</p1510:revInfo>
+</file>
+
+<file path=ppt/changesInfos/changesInfo1.xml><?xml version="1.0" encoding="utf-8"?>
+<pc:chgInfo xmlns:a="http://schemas.openxmlformats.org/drawingml/2006/main" xmlns:r="http://schemas.openxmlformats.org/officeDocument/2006/relationships" xmlns:ac="http://schemas.microsoft.com/office/drawing/2013/main/command" xmlns:pc="http://schemas.microsoft.com/office/powerpoint/2013/main/command">
+  <pc:docChgLst>
+    <pc:chgData name="♠️ Ace" userId="c1234b77269e5bf0" providerId="LiveId" clId="{CCA53D3A-0FB8-4AB2-A9A1-E5DD91239723}"/>
+    <pc:docChg chg="undo custSel addSld delSld modSld sldOrd">
+      <pc:chgData name="♠️ Ace" userId="c1234b77269e5bf0" providerId="LiveId" clId="{CCA53D3A-0FB8-4AB2-A9A1-E5DD91239723}" dt="2023-04-21T14:15:15.980" v="2377" actId="20577"/>
+      <pc:docMkLst>
+        <pc:docMk/>
+      </pc:docMkLst>
+      <pc:sldChg chg="addSp delSp modSp mod">
+        <pc:chgData name="♠️ Ace" userId="c1234b77269e5bf0" providerId="LiveId" clId="{CCA53D3A-0FB8-4AB2-A9A1-E5DD91239723}" dt="2023-04-20T22:28:53.301" v="1299" actId="26606"/>
+        <pc:sldMkLst>
+          <pc:docMk/>
+          <pc:sldMk cId="4011801235" sldId="256"/>
+        </pc:sldMkLst>
+        <pc:spChg chg="mod">
+          <ac:chgData name="♠️ Ace" userId="c1234b77269e5bf0" providerId="LiveId" clId="{CCA53D3A-0FB8-4AB2-A9A1-E5DD91239723}" dt="2023-04-20T22:28:53.301" v="1299" actId="26606"/>
+          <ac:spMkLst>
+            <pc:docMk/>
+            <pc:sldMk cId="4011801235" sldId="256"/>
+            <ac:spMk id="2" creationId="{3077AF0F-B15F-06F6-C010-B996949E41AB}"/>
+          </ac:spMkLst>
+        </pc:spChg>
+        <pc:spChg chg="mod">
+          <ac:chgData name="♠️ Ace" userId="c1234b77269e5bf0" providerId="LiveId" clId="{CCA53D3A-0FB8-4AB2-A9A1-E5DD91239723}" dt="2023-04-20T22:28:53.301" v="1299" actId="26606"/>
+          <ac:spMkLst>
+            <pc:docMk/>
+            <pc:sldMk cId="4011801235" sldId="256"/>
+            <ac:spMk id="3" creationId="{82E3D568-D3CB-47A3-519D-60FC875C4C76}"/>
+          </ac:spMkLst>
+        </pc:spChg>
+        <pc:spChg chg="del">
+          <ac:chgData name="♠️ Ace" userId="c1234b77269e5bf0" providerId="LiveId" clId="{CCA53D3A-0FB8-4AB2-A9A1-E5DD91239723}" dt="2023-04-20T22:28:47.226" v="1298" actId="26606"/>
+          <ac:spMkLst>
+            <pc:docMk/>
+            <pc:sldMk cId="4011801235" sldId="256"/>
+            <ac:spMk id="9" creationId="{55B419A7-F817-4767-8CCB-FB0E189C4ACD}"/>
+          </ac:spMkLst>
+        </pc:spChg>
+        <pc:spChg chg="del">
+          <ac:chgData name="♠️ Ace" userId="c1234b77269e5bf0" providerId="LiveId" clId="{CCA53D3A-0FB8-4AB2-A9A1-E5DD91239723}" dt="2023-04-20T22:28:47.226" v="1298" actId="26606"/>
+          <ac:spMkLst>
+            <pc:docMk/>
+            <pc:sldMk cId="4011801235" sldId="256"/>
+            <ac:spMk id="13" creationId="{ADA271CD-3011-4A05-B4A3-80F1794684F2}"/>
+          </ac:spMkLst>
+        </pc:spChg>
+        <pc:spChg chg="add del">
+          <ac:chgData name="♠️ Ace" userId="c1234b77269e5bf0" providerId="LiveId" clId="{CCA53D3A-0FB8-4AB2-A9A1-E5DD91239723}" dt="2023-04-20T22:28:53.301" v="1299" actId="26606"/>
+          <ac:spMkLst>
+            <pc:docMk/>
+            <pc:sldMk cId="4011801235" sldId="256"/>
+            <ac:spMk id="18" creationId="{55B419A7-F817-4767-8CCB-FB0E189C4ACD}"/>
+          </ac:spMkLst>
+        </pc:spChg>
+        <pc:spChg chg="add del">
+          <ac:chgData name="♠️ Ace" userId="c1234b77269e5bf0" providerId="LiveId" clId="{CCA53D3A-0FB8-4AB2-A9A1-E5DD91239723}" dt="2023-04-20T22:28:53.301" v="1299" actId="26606"/>
+          <ac:spMkLst>
+            <pc:docMk/>
+            <pc:sldMk cId="4011801235" sldId="256"/>
+            <ac:spMk id="20" creationId="{9FBB9AF1-CE92-475C-A47B-5FC32922B3E9}"/>
+          </ac:spMkLst>
+        </pc:spChg>
+        <pc:spChg chg="add del">
+          <ac:chgData name="♠️ Ace" userId="c1234b77269e5bf0" providerId="LiveId" clId="{CCA53D3A-0FB8-4AB2-A9A1-E5DD91239723}" dt="2023-04-20T22:28:53.301" v="1299" actId="26606"/>
+          <ac:spMkLst>
+            <pc:docMk/>
+            <pc:sldMk cId="4011801235" sldId="256"/>
+            <ac:spMk id="24" creationId="{7021D92D-08FF-45A6-9109-AC9462C7E8E3}"/>
+          </ac:spMkLst>
+        </pc:spChg>
+        <pc:spChg chg="add">
+          <ac:chgData name="♠️ Ace" userId="c1234b77269e5bf0" providerId="LiveId" clId="{CCA53D3A-0FB8-4AB2-A9A1-E5DD91239723}" dt="2023-04-20T22:28:53.301" v="1299" actId="26606"/>
+          <ac:spMkLst>
+            <pc:docMk/>
+            <pc:sldMk cId="4011801235" sldId="256"/>
+            <ac:spMk id="29" creationId="{55B419A7-F817-4767-8CCB-FB0E189C4ACD}"/>
+          </ac:spMkLst>
+        </pc:spChg>
+        <pc:spChg chg="add">
+          <ac:chgData name="♠️ Ace" userId="c1234b77269e5bf0" providerId="LiveId" clId="{CCA53D3A-0FB8-4AB2-A9A1-E5DD91239723}" dt="2023-04-20T22:28:53.301" v="1299" actId="26606"/>
+          <ac:spMkLst>
+            <pc:docMk/>
+            <pc:sldMk cId="4011801235" sldId="256"/>
+            <ac:spMk id="33" creationId="{ADA271CD-3011-4A05-B4A3-80F1794684F2}"/>
+          </ac:spMkLst>
+        </pc:spChg>
+        <pc:picChg chg="mod ord">
+          <ac:chgData name="♠️ Ace" userId="c1234b77269e5bf0" providerId="LiveId" clId="{CCA53D3A-0FB8-4AB2-A9A1-E5DD91239723}" dt="2023-04-20T22:28:53.301" v="1299" actId="26606"/>
+          <ac:picMkLst>
+            <pc:docMk/>
+            <pc:sldMk cId="4011801235" sldId="256"/>
+            <ac:picMk id="4" creationId="{3F9FB10A-909E-F919-CCE7-267570CEA2AC}"/>
+          </ac:picMkLst>
+        </pc:picChg>
+        <pc:cxnChg chg="del">
+          <ac:chgData name="♠️ Ace" userId="c1234b77269e5bf0" providerId="LiveId" clId="{CCA53D3A-0FB8-4AB2-A9A1-E5DD91239723}" dt="2023-04-20T22:28:47.226" v="1298" actId="26606"/>
+          <ac:cxnSpMkLst>
+            <pc:docMk/>
+            <pc:sldMk cId="4011801235" sldId="256"/>
+            <ac:cxnSpMk id="11" creationId="{E3B95BE3-D5B2-4F38-9A01-17866C9FBA6E}"/>
+          </ac:cxnSpMkLst>
+        </pc:cxnChg>
+        <pc:cxnChg chg="add del">
+          <ac:chgData name="♠️ Ace" userId="c1234b77269e5bf0" providerId="LiveId" clId="{CCA53D3A-0FB8-4AB2-A9A1-E5DD91239723}" dt="2023-04-20T22:28:53.301" v="1299" actId="26606"/>
+          <ac:cxnSpMkLst>
+            <pc:docMk/>
+            <pc:sldMk cId="4011801235" sldId="256"/>
+            <ac:cxnSpMk id="22" creationId="{D81E42A3-743C-4C15-9DA8-93AA9AEBFB17}"/>
+          </ac:cxnSpMkLst>
+        </pc:cxnChg>
+        <pc:cxnChg chg="add">
+          <ac:chgData name="♠️ Ace" userId="c1234b77269e5bf0" providerId="LiveId" clId="{CCA53D3A-0FB8-4AB2-A9A1-E5DD91239723}" dt="2023-04-20T22:28:53.301" v="1299" actId="26606"/>
+          <ac:cxnSpMkLst>
+            <pc:docMk/>
+            <pc:sldMk cId="4011801235" sldId="256"/>
+            <ac:cxnSpMk id="31" creationId="{E3B95BE3-D5B2-4F38-9A01-17866C9FBA6E}"/>
+          </ac:cxnSpMkLst>
+        </pc:cxnChg>
+      </pc:sldChg>
+      <pc:sldChg chg="modSp mod">
+        <pc:chgData name="♠️ Ace" userId="c1234b77269e5bf0" providerId="LiveId" clId="{CCA53D3A-0FB8-4AB2-A9A1-E5DD91239723}" dt="2023-04-21T13:44:56.814" v="2370" actId="20577"/>
+        <pc:sldMkLst>
+          <pc:docMk/>
+          <pc:sldMk cId="3403437433" sldId="257"/>
+        </pc:sldMkLst>
+        <pc:spChg chg="mod">
+          <ac:chgData name="♠️ Ace" userId="c1234b77269e5bf0" providerId="LiveId" clId="{CCA53D3A-0FB8-4AB2-A9A1-E5DD91239723}" dt="2023-04-21T13:44:56.814" v="2370" actId="20577"/>
+          <ac:spMkLst>
+            <pc:docMk/>
+            <pc:sldMk cId="3403437433" sldId="257"/>
+            <ac:spMk id="3" creationId="{B1A613A3-5DD3-DFA6-15CA-B06A305BF3A9}"/>
+          </ac:spMkLst>
+        </pc:spChg>
+      </pc:sldChg>
+      <pc:sldChg chg="modSp mod">
+        <pc:chgData name="♠️ Ace" userId="c1234b77269e5bf0" providerId="LiveId" clId="{CCA53D3A-0FB8-4AB2-A9A1-E5DD91239723}" dt="2023-04-20T21:54:18.199" v="391" actId="20577"/>
+        <pc:sldMkLst>
+          <pc:docMk/>
+          <pc:sldMk cId="1998360855" sldId="258"/>
+        </pc:sldMkLst>
+        <pc:spChg chg="mod">
+          <ac:chgData name="♠️ Ace" userId="c1234b77269e5bf0" providerId="LiveId" clId="{CCA53D3A-0FB8-4AB2-A9A1-E5DD91239723}" dt="2023-04-20T21:54:18.199" v="391" actId="20577"/>
+          <ac:spMkLst>
+            <pc:docMk/>
+            <pc:sldMk cId="1998360855" sldId="258"/>
+            <ac:spMk id="3" creationId="{2004F59F-E353-9DB9-B2F2-874DEF3B8B1F}"/>
+          </ac:spMkLst>
+        </pc:spChg>
+      </pc:sldChg>
+      <pc:sldChg chg="modSp new mod">
+        <pc:chgData name="♠️ Ace" userId="c1234b77269e5bf0" providerId="LiveId" clId="{CCA53D3A-0FB8-4AB2-A9A1-E5DD91239723}" dt="2023-04-20T22:20:17.968" v="1120" actId="20577"/>
+        <pc:sldMkLst>
+          <pc:docMk/>
+          <pc:sldMk cId="2755510867" sldId="259"/>
+        </pc:sldMkLst>
+        <pc:spChg chg="mod">
+          <ac:chgData name="♠️ Ace" userId="c1234b77269e5bf0" providerId="LiveId" clId="{CCA53D3A-0FB8-4AB2-A9A1-E5DD91239723}" dt="2023-04-20T21:55:54.574" v="410" actId="2711"/>
+          <ac:spMkLst>
+            <pc:docMk/>
+            <pc:sldMk cId="2755510867" sldId="259"/>
+            <ac:spMk id="2" creationId="{E084108C-D6D7-53D5-0B4B-3DBE3DB6C6DE}"/>
+          </ac:spMkLst>
+        </pc:spChg>
+        <pc:spChg chg="mod">
+          <ac:chgData name="♠️ Ace" userId="c1234b77269e5bf0" providerId="LiveId" clId="{CCA53D3A-0FB8-4AB2-A9A1-E5DD91239723}" dt="2023-04-20T22:20:17.968" v="1120" actId="20577"/>
+          <ac:spMkLst>
+            <pc:docMk/>
+            <pc:sldMk cId="2755510867" sldId="259"/>
+            <ac:spMk id="3" creationId="{E7A80D96-58FA-4E66-12D8-93677BD81EDA}"/>
+          </ac:spMkLst>
+        </pc:spChg>
+      </pc:sldChg>
+      <pc:sldChg chg="addSp delSp modSp new mod">
+        <pc:chgData name="♠️ Ace" userId="c1234b77269e5bf0" providerId="LiveId" clId="{CCA53D3A-0FB8-4AB2-A9A1-E5DD91239723}" dt="2023-04-21T13:37:24.731" v="2070" actId="20577"/>
+        <pc:sldMkLst>
+          <pc:docMk/>
+          <pc:sldMk cId="4223028197" sldId="260"/>
+        </pc:sldMkLst>
+        <pc:spChg chg="mod">
+          <ac:chgData name="♠️ Ace" userId="c1234b77269e5bf0" providerId="LiveId" clId="{CCA53D3A-0FB8-4AB2-A9A1-E5DD91239723}" dt="2023-04-21T13:37:24.731" v="2070" actId="20577"/>
+          <ac:spMkLst>
+            <pc:docMk/>
+            <pc:sldMk cId="4223028197" sldId="260"/>
+            <ac:spMk id="2" creationId="{F47B66AA-2276-8BA4-3AF3-FC41CDBACEBF}"/>
+          </ac:spMkLst>
+        </pc:spChg>
+        <pc:spChg chg="del">
+          <ac:chgData name="♠️ Ace" userId="c1234b77269e5bf0" providerId="LiveId" clId="{CCA53D3A-0FB8-4AB2-A9A1-E5DD91239723}" dt="2023-04-21T13:37:15.656" v="2048" actId="22"/>
+          <ac:spMkLst>
+            <pc:docMk/>
+            <pc:sldMk cId="4223028197" sldId="260"/>
+            <ac:spMk id="3" creationId="{1E5BE429-D24B-0832-4BD3-CB2E5DC34E60}"/>
+          </ac:spMkLst>
+        </pc:spChg>
+        <pc:picChg chg="add mod ord">
+          <ac:chgData name="♠️ Ace" userId="c1234b77269e5bf0" providerId="LiveId" clId="{CCA53D3A-0FB8-4AB2-A9A1-E5DD91239723}" dt="2023-04-21T13:37:15.656" v="2048" actId="22"/>
+          <ac:picMkLst>
+            <pc:docMk/>
+            <pc:sldMk cId="4223028197" sldId="260"/>
+            <ac:picMk id="5" creationId="{6EDBC2C8-D6AB-B6A1-73AB-6CB1292489CA}"/>
+          </ac:picMkLst>
+        </pc:picChg>
+      </pc:sldChg>
+      <pc:sldChg chg="addSp delSp modSp new mod">
+        <pc:chgData name="♠️ Ace" userId="c1234b77269e5bf0" providerId="LiveId" clId="{CCA53D3A-0FB8-4AB2-A9A1-E5DD91239723}" dt="2023-04-21T13:38:11.165" v="2115" actId="20577"/>
+        <pc:sldMkLst>
+          <pc:docMk/>
+          <pc:sldMk cId="2967291321" sldId="261"/>
+        </pc:sldMkLst>
+        <pc:spChg chg="mod">
+          <ac:chgData name="♠️ Ace" userId="c1234b77269e5bf0" providerId="LiveId" clId="{CCA53D3A-0FB8-4AB2-A9A1-E5DD91239723}" dt="2023-04-21T13:38:11.165" v="2115" actId="20577"/>
+          <ac:spMkLst>
+            <pc:docMk/>
+            <pc:sldMk cId="2967291321" sldId="261"/>
+            <ac:spMk id="2" creationId="{F497120F-06F5-9243-A616-E82B8850B373}"/>
+          </ac:spMkLst>
+        </pc:spChg>
+        <pc:spChg chg="del">
+          <ac:chgData name="♠️ Ace" userId="c1234b77269e5bf0" providerId="LiveId" clId="{CCA53D3A-0FB8-4AB2-A9A1-E5DD91239723}" dt="2023-04-21T13:37:54.415" v="2071" actId="22"/>
+          <ac:spMkLst>
+            <pc:docMk/>
+            <pc:sldMk cId="2967291321" sldId="261"/>
+            <ac:spMk id="3" creationId="{7BFE1E75-1218-33BA-8B33-55AB3432C485}"/>
+          </ac:spMkLst>
+        </pc:spChg>
+        <pc:picChg chg="add mod ord">
+          <ac:chgData name="♠️ Ace" userId="c1234b77269e5bf0" providerId="LiveId" clId="{CCA53D3A-0FB8-4AB2-A9A1-E5DD91239723}" dt="2023-04-21T13:37:54.415" v="2071" actId="22"/>
+          <ac:picMkLst>
+            <pc:docMk/>
+            <pc:sldMk cId="2967291321" sldId="261"/>
+            <ac:picMk id="5" creationId="{6D34B9C3-9CC6-2F62-6AD9-DAB1EED80958}"/>
+          </ac:picMkLst>
+        </pc:picChg>
+      </pc:sldChg>
+      <pc:sldChg chg="addSp delSp modSp new mod">
+        <pc:chgData name="♠️ Ace" userId="c1234b77269e5bf0" providerId="LiveId" clId="{CCA53D3A-0FB8-4AB2-A9A1-E5DD91239723}" dt="2023-04-21T13:39:49.197" v="2150" actId="20577"/>
+        <pc:sldMkLst>
+          <pc:docMk/>
+          <pc:sldMk cId="1650515266" sldId="262"/>
+        </pc:sldMkLst>
+        <pc:spChg chg="mod">
+          <ac:chgData name="♠️ Ace" userId="c1234b77269e5bf0" providerId="LiveId" clId="{CCA53D3A-0FB8-4AB2-A9A1-E5DD91239723}" dt="2023-04-21T13:39:49.197" v="2150" actId="20577"/>
+          <ac:spMkLst>
+            <pc:docMk/>
+            <pc:sldMk cId="1650515266" sldId="262"/>
+            <ac:spMk id="2" creationId="{BE7D12D8-2FD4-E231-8AE8-6B5EBBE28DBA}"/>
+          </ac:spMkLst>
+        </pc:spChg>
+        <pc:spChg chg="del">
+          <ac:chgData name="♠️ Ace" userId="c1234b77269e5bf0" providerId="LiveId" clId="{CCA53D3A-0FB8-4AB2-A9A1-E5DD91239723}" dt="2023-04-21T13:39:33.517" v="2116" actId="22"/>
+          <ac:spMkLst>
+            <pc:docMk/>
+            <pc:sldMk cId="1650515266" sldId="262"/>
+            <ac:spMk id="3" creationId="{AD57BF13-DBED-48A9-2CB5-30464C2838FC}"/>
+          </ac:spMkLst>
+        </pc:spChg>
+        <pc:picChg chg="add mod ord">
+          <ac:chgData name="♠️ Ace" userId="c1234b77269e5bf0" providerId="LiveId" clId="{CCA53D3A-0FB8-4AB2-A9A1-E5DD91239723}" dt="2023-04-21T13:39:33.517" v="2116" actId="22"/>
+          <ac:picMkLst>
+            <pc:docMk/>
+            <pc:sldMk cId="1650515266" sldId="262"/>
+            <ac:picMk id="5" creationId="{B2C834BC-FC0E-AFD2-D53A-787D54C57C8D}"/>
+          </ac:picMkLst>
+        </pc:picChg>
+      </pc:sldChg>
+      <pc:sldChg chg="addSp delSp modSp new mod">
+        <pc:chgData name="♠️ Ace" userId="c1234b77269e5bf0" providerId="LiveId" clId="{CCA53D3A-0FB8-4AB2-A9A1-E5DD91239723}" dt="2023-04-21T13:42:29.077" v="2208" actId="20577"/>
+        <pc:sldMkLst>
+          <pc:docMk/>
+          <pc:sldMk cId="2513598026" sldId="263"/>
+        </pc:sldMkLst>
+        <pc:spChg chg="mod">
+          <ac:chgData name="♠️ Ace" userId="c1234b77269e5bf0" providerId="LiveId" clId="{CCA53D3A-0FB8-4AB2-A9A1-E5DD91239723}" dt="2023-04-21T13:42:29.077" v="2208" actId="20577"/>
+          <ac:spMkLst>
+            <pc:docMk/>
+            <pc:sldMk cId="2513598026" sldId="263"/>
+            <ac:spMk id="2" creationId="{45D1FD2B-180C-EFF0-759F-D1F3FDF6500A}"/>
+          </ac:spMkLst>
+        </pc:spChg>
+        <pc:spChg chg="del mod">
+          <ac:chgData name="♠️ Ace" userId="c1234b77269e5bf0" providerId="LiveId" clId="{CCA53D3A-0FB8-4AB2-A9A1-E5DD91239723}" dt="2023-04-21T13:15:18.502" v="1304"/>
+          <ac:spMkLst>
+            <pc:docMk/>
+            <pc:sldMk cId="2513598026" sldId="263"/>
+            <ac:spMk id="3" creationId="{4E840A1D-1ABF-81F8-BBE6-3C58F89B1E4F}"/>
+          </ac:spMkLst>
+        </pc:spChg>
+        <pc:picChg chg="add mod">
+          <ac:chgData name="♠️ Ace" userId="c1234b77269e5bf0" providerId="LiveId" clId="{CCA53D3A-0FB8-4AB2-A9A1-E5DD91239723}" dt="2023-04-21T13:15:18.502" v="1304"/>
+          <ac:picMkLst>
+            <pc:docMk/>
+            <pc:sldMk cId="2513598026" sldId="263"/>
+            <ac:picMk id="4" creationId="{D2068A0D-8131-9E71-DDA5-AE2EA8D00F55}"/>
+          </ac:picMkLst>
+        </pc:picChg>
+      </pc:sldChg>
+      <pc:sldChg chg="addSp delSp modSp new mod ord">
+        <pc:chgData name="♠️ Ace" userId="c1234b77269e5bf0" providerId="LiveId" clId="{CCA53D3A-0FB8-4AB2-A9A1-E5DD91239723}" dt="2023-04-21T13:35:36.631" v="2030" actId="20577"/>
+        <pc:sldMkLst>
+          <pc:docMk/>
+          <pc:sldMk cId="2998059534" sldId="264"/>
+        </pc:sldMkLst>
+        <pc:spChg chg="mod">
+          <ac:chgData name="♠️ Ace" userId="c1234b77269e5bf0" providerId="LiveId" clId="{CCA53D3A-0FB8-4AB2-A9A1-E5DD91239723}" dt="2023-04-21T13:35:36.631" v="2030" actId="20577"/>
+          <ac:spMkLst>
+            <pc:docMk/>
+            <pc:sldMk cId="2998059534" sldId="264"/>
+            <ac:spMk id="2" creationId="{435C0554-5AAF-0AB6-106F-EB77E88F3506}"/>
+          </ac:spMkLst>
+        </pc:spChg>
+        <pc:spChg chg="del mod">
+          <ac:chgData name="♠️ Ace" userId="c1234b77269e5bf0" providerId="LiveId" clId="{CCA53D3A-0FB8-4AB2-A9A1-E5DD91239723}" dt="2023-04-21T13:18:31.193" v="1383"/>
+          <ac:spMkLst>
+            <pc:docMk/>
+            <pc:sldMk cId="2998059534" sldId="264"/>
+            <ac:spMk id="3" creationId="{BAB977E5-2D94-0975-5B79-D68BA0FCD664}"/>
+          </ac:spMkLst>
+        </pc:spChg>
+        <pc:picChg chg="add mod">
+          <ac:chgData name="♠️ Ace" userId="c1234b77269e5bf0" providerId="LiveId" clId="{CCA53D3A-0FB8-4AB2-A9A1-E5DD91239723}" dt="2023-04-21T13:18:31.193" v="1383"/>
+          <ac:picMkLst>
+            <pc:docMk/>
+            <pc:sldMk cId="2998059534" sldId="264"/>
+            <ac:picMk id="4" creationId="{8B30EB49-C05C-7420-D0FC-14FBCA293BA1}"/>
+          </ac:picMkLst>
+        </pc:picChg>
+      </pc:sldChg>
+      <pc:sldChg chg="addSp delSp modSp new mod">
+        <pc:chgData name="♠️ Ace" userId="c1234b77269e5bf0" providerId="LiveId" clId="{CCA53D3A-0FB8-4AB2-A9A1-E5DD91239723}" dt="2023-04-21T14:15:15.980" v="2377" actId="20577"/>
+        <pc:sldMkLst>
+          <pc:docMk/>
+          <pc:sldMk cId="4178552829" sldId="265"/>
+        </pc:sldMkLst>
+        <pc:spChg chg="mod">
+          <ac:chgData name="♠️ Ace" userId="c1234b77269e5bf0" providerId="LiveId" clId="{CCA53D3A-0FB8-4AB2-A9A1-E5DD91239723}" dt="2023-04-21T14:15:15.980" v="2377" actId="20577"/>
+          <ac:spMkLst>
+            <pc:docMk/>
+            <pc:sldMk cId="4178552829" sldId="265"/>
+            <ac:spMk id="2" creationId="{573B97EC-2861-34FB-AEEA-C6EA9988936C}"/>
+          </ac:spMkLst>
+        </pc:spChg>
+        <pc:spChg chg="del mod">
+          <ac:chgData name="♠️ Ace" userId="c1234b77269e5bf0" providerId="LiveId" clId="{CCA53D3A-0FB8-4AB2-A9A1-E5DD91239723}" dt="2023-04-21T13:20:18.740" v="1385"/>
+          <ac:spMkLst>
+            <pc:docMk/>
+            <pc:sldMk cId="4178552829" sldId="265"/>
+            <ac:spMk id="3" creationId="{F0D01439-1664-25DC-C5BD-FA779CBC5FB6}"/>
+          </ac:spMkLst>
+        </pc:spChg>
+        <pc:picChg chg="add mod">
+          <ac:chgData name="♠️ Ace" userId="c1234b77269e5bf0" providerId="LiveId" clId="{CCA53D3A-0FB8-4AB2-A9A1-E5DD91239723}" dt="2023-04-21T13:20:18.740" v="1385"/>
+          <ac:picMkLst>
+            <pc:docMk/>
+            <pc:sldMk cId="4178552829" sldId="265"/>
+            <ac:picMk id="1026" creationId="{101723E0-48DE-8929-8F2D-B0C30FC0F743}"/>
+          </ac:picMkLst>
+        </pc:picChg>
+      </pc:sldChg>
+      <pc:sldChg chg="modSp new del mod">
+        <pc:chgData name="♠️ Ace" userId="c1234b77269e5bf0" providerId="LiveId" clId="{CCA53D3A-0FB8-4AB2-A9A1-E5DD91239723}" dt="2023-04-21T13:29:49.439" v="2003" actId="2696"/>
+        <pc:sldMkLst>
+          <pc:docMk/>
+          <pc:sldMk cId="754753369" sldId="266"/>
+        </pc:sldMkLst>
+        <pc:spChg chg="mod">
+          <ac:chgData name="♠️ Ace" userId="c1234b77269e5bf0" providerId="LiveId" clId="{CCA53D3A-0FB8-4AB2-A9A1-E5DD91239723}" dt="2023-04-20T22:26:01.477" v="1172" actId="20577"/>
+          <ac:spMkLst>
+            <pc:docMk/>
+            <pc:sldMk cId="754753369" sldId="266"/>
+            <ac:spMk id="2" creationId="{B8FE6652-33E9-34E1-4CD3-041FFE4316C4}"/>
+          </ac:spMkLst>
+        </pc:spChg>
+      </pc:sldChg>
+      <pc:sldChg chg="modSp new del mod">
+        <pc:chgData name="♠️ Ace" userId="c1234b77269e5bf0" providerId="LiveId" clId="{CCA53D3A-0FB8-4AB2-A9A1-E5DD91239723}" dt="2023-04-21T13:29:46.035" v="2002" actId="2696"/>
+        <pc:sldMkLst>
+          <pc:docMk/>
+          <pc:sldMk cId="4260515407" sldId="267"/>
+        </pc:sldMkLst>
+        <pc:spChg chg="mod">
+          <ac:chgData name="♠️ Ace" userId="c1234b77269e5bf0" providerId="LiveId" clId="{CCA53D3A-0FB8-4AB2-A9A1-E5DD91239723}" dt="2023-04-20T22:26:08.075" v="1186" actId="20577"/>
+          <ac:spMkLst>
+            <pc:docMk/>
+            <pc:sldMk cId="4260515407" sldId="267"/>
+            <ac:spMk id="2" creationId="{F5033998-7A0E-A60F-00C1-C3ED5FB244D9}"/>
+          </ac:spMkLst>
+        </pc:spChg>
+      </pc:sldChg>
+      <pc:sldChg chg="modSp new del mod">
+        <pc:chgData name="♠️ Ace" userId="c1234b77269e5bf0" providerId="LiveId" clId="{CCA53D3A-0FB8-4AB2-A9A1-E5DD91239723}" dt="2023-04-21T13:29:53.529" v="2004" actId="2696"/>
+        <pc:sldMkLst>
+          <pc:docMk/>
+          <pc:sldMk cId="503440170" sldId="268"/>
+        </pc:sldMkLst>
+        <pc:spChg chg="mod">
+          <ac:chgData name="♠️ Ace" userId="c1234b77269e5bf0" providerId="LiveId" clId="{CCA53D3A-0FB8-4AB2-A9A1-E5DD91239723}" dt="2023-04-20T22:26:12.979" v="1198" actId="20577"/>
+          <ac:spMkLst>
+            <pc:docMk/>
+            <pc:sldMk cId="503440170" sldId="268"/>
+            <ac:spMk id="2" creationId="{25FCA448-A647-BD98-FE9B-FD9A8B71901B}"/>
+          </ac:spMkLst>
+        </pc:spChg>
+      </pc:sldChg>
+      <pc:sldChg chg="addSp delSp modSp new mod ord">
+        <pc:chgData name="♠️ Ace" userId="c1234b77269e5bf0" providerId="LiveId" clId="{CCA53D3A-0FB8-4AB2-A9A1-E5DD91239723}" dt="2023-04-21T13:30:25.872" v="2018" actId="20577"/>
+        <pc:sldMkLst>
+          <pc:docMk/>
+          <pc:sldMk cId="2652466250" sldId="269"/>
+        </pc:sldMkLst>
+        <pc:spChg chg="mod">
+          <ac:chgData name="♠️ Ace" userId="c1234b77269e5bf0" providerId="LiveId" clId="{CCA53D3A-0FB8-4AB2-A9A1-E5DD91239723}" dt="2023-04-21T13:30:25.872" v="2018" actId="20577"/>
+          <ac:spMkLst>
+            <pc:docMk/>
+            <pc:sldMk cId="2652466250" sldId="269"/>
+            <ac:spMk id="2" creationId="{FC5C2236-9341-F477-36BB-27004C174B80}"/>
+          </ac:spMkLst>
+        </pc:spChg>
+        <pc:spChg chg="del">
+          <ac:chgData name="♠️ Ace" userId="c1234b77269e5bf0" providerId="LiveId" clId="{CCA53D3A-0FB8-4AB2-A9A1-E5DD91239723}" dt="2023-04-21T13:22:38.040" v="1388"/>
+          <ac:spMkLst>
+            <pc:docMk/>
+            <pc:sldMk cId="2652466250" sldId="269"/>
+            <ac:spMk id="3" creationId="{BC4E15D3-2362-8A81-5195-DB04B4402774}"/>
+          </ac:spMkLst>
+        </pc:spChg>
+        <pc:picChg chg="add mod">
+          <ac:chgData name="♠️ Ace" userId="c1234b77269e5bf0" providerId="LiveId" clId="{CCA53D3A-0FB8-4AB2-A9A1-E5DD91239723}" dt="2023-04-21T13:22:38.040" v="1388"/>
+          <ac:picMkLst>
+            <pc:docMk/>
+            <pc:sldMk cId="2652466250" sldId="269"/>
+            <ac:picMk id="4" creationId="{09E8690E-99D8-5984-D458-933385666C0E}"/>
+          </ac:picMkLst>
+        </pc:picChg>
+      </pc:sldChg>
+      <pc:sldChg chg="addSp delSp modSp new mod setBg setClrOvrMap">
+        <pc:chgData name="♠️ Ace" userId="c1234b77269e5bf0" providerId="LiveId" clId="{CCA53D3A-0FB8-4AB2-A9A1-E5DD91239723}" dt="2023-04-20T22:31:48.665" v="1302" actId="1076"/>
+        <pc:sldMkLst>
+          <pc:docMk/>
+          <pc:sldMk cId="1288727695" sldId="270"/>
+        </pc:sldMkLst>
+        <pc:spChg chg="mod">
+          <ac:chgData name="♠️ Ace" userId="c1234b77269e5bf0" providerId="LiveId" clId="{CCA53D3A-0FB8-4AB2-A9A1-E5DD91239723}" dt="2023-04-20T22:28:25.957" v="1295" actId="26606"/>
+          <ac:spMkLst>
+            <pc:docMk/>
+            <pc:sldMk cId="1288727695" sldId="270"/>
+            <ac:spMk id="2" creationId="{F936DA7E-3F4B-20A5-85CC-EEC9FDF22910}"/>
+          </ac:spMkLst>
+        </pc:spChg>
+        <pc:spChg chg="add del mod">
+          <ac:chgData name="♠️ Ace" userId="c1234b77269e5bf0" providerId="LiveId" clId="{CCA53D3A-0FB8-4AB2-A9A1-E5DD91239723}" dt="2023-04-20T22:28:29.763" v="1297" actId="22"/>
+          <ac:spMkLst>
+            <pc:docMk/>
+            <pc:sldMk cId="1288727695" sldId="270"/>
+            <ac:spMk id="3" creationId="{197D02FF-B7AB-5E09-D53D-2EFD09988EF3}"/>
+          </ac:spMkLst>
+        </pc:spChg>
+        <pc:spChg chg="add del">
+          <ac:chgData name="♠️ Ace" userId="c1234b77269e5bf0" providerId="LiveId" clId="{CCA53D3A-0FB8-4AB2-A9A1-E5DD91239723}" dt="2023-04-20T22:28:23.504" v="1293" actId="26606"/>
+          <ac:spMkLst>
+            <pc:docMk/>
+            <pc:sldMk cId="1288727695" sldId="270"/>
+            <ac:spMk id="10" creationId="{DD4C4B28-6B4B-4445-8535-F516D74E4AA9}"/>
+          </ac:spMkLst>
+        </pc:spChg>
+        <pc:spChg chg="add del">
+          <ac:chgData name="♠️ Ace" userId="c1234b77269e5bf0" providerId="LiveId" clId="{CCA53D3A-0FB8-4AB2-A9A1-E5DD91239723}" dt="2023-04-20T22:28:23.504" v="1293" actId="26606"/>
+          <ac:spMkLst>
+            <pc:docMk/>
+            <pc:sldMk cId="1288727695" sldId="270"/>
+            <ac:spMk id="14" creationId="{55B419A7-F817-4767-8CCB-FB0E189C4ACD}"/>
+          </ac:spMkLst>
+        </pc:spChg>
+        <pc:spChg chg="add del">
+          <ac:chgData name="♠️ Ace" userId="c1234b77269e5bf0" providerId="LiveId" clId="{CCA53D3A-0FB8-4AB2-A9A1-E5DD91239723}" dt="2023-04-20T22:28:23.504" v="1293" actId="26606"/>
+          <ac:spMkLst>
+            <pc:docMk/>
+            <pc:sldMk cId="1288727695" sldId="270"/>
+            <ac:spMk id="16" creationId="{AAD3D935-ECFC-4862-B395-207C13BAC3B7}"/>
+          </ac:spMkLst>
+        </pc:spChg>
+        <pc:spChg chg="add del">
+          <ac:chgData name="♠️ Ace" userId="c1234b77269e5bf0" providerId="LiveId" clId="{CCA53D3A-0FB8-4AB2-A9A1-E5DD91239723}" dt="2023-04-20T22:28:23.504" v="1293" actId="26606"/>
+          <ac:spMkLst>
+            <pc:docMk/>
+            <pc:sldMk cId="1288727695" sldId="270"/>
+            <ac:spMk id="20" creationId="{ADA271CD-3011-4A05-B4A3-80F1794684F2}"/>
+          </ac:spMkLst>
+        </pc:spChg>
+        <pc:spChg chg="add del">
+          <ac:chgData name="♠️ Ace" userId="c1234b77269e5bf0" providerId="LiveId" clId="{CCA53D3A-0FB8-4AB2-A9A1-E5DD91239723}" dt="2023-04-20T22:28:25.957" v="1295" actId="26606"/>
+          <ac:spMkLst>
+            <pc:docMk/>
+            <pc:sldMk cId="1288727695" sldId="270"/>
+            <ac:spMk id="22" creationId="{DD4C4B28-6B4B-4445-8535-F516D74E4AA9}"/>
+          </ac:spMkLst>
+        </pc:spChg>
+        <pc:spChg chg="add del">
+          <ac:chgData name="♠️ Ace" userId="c1234b77269e5bf0" providerId="LiveId" clId="{CCA53D3A-0FB8-4AB2-A9A1-E5DD91239723}" dt="2023-04-20T22:28:25.957" v="1295" actId="26606"/>
+          <ac:spMkLst>
+            <pc:docMk/>
+            <pc:sldMk cId="1288727695" sldId="270"/>
+            <ac:spMk id="24" creationId="{55B419A7-F817-4767-8CCB-FB0E189C4ACD}"/>
+          </ac:spMkLst>
+        </pc:spChg>
+        <pc:spChg chg="add del">
+          <ac:chgData name="♠️ Ace" userId="c1234b77269e5bf0" providerId="LiveId" clId="{CCA53D3A-0FB8-4AB2-A9A1-E5DD91239723}" dt="2023-04-20T22:28:25.957" v="1295" actId="26606"/>
+          <ac:spMkLst>
+            <pc:docMk/>
+            <pc:sldMk cId="1288727695" sldId="270"/>
+            <ac:spMk id="26" creationId="{13AD65D1-B021-4B05-9F8F-4D82BD3BDE14}"/>
+          </ac:spMkLst>
+        </pc:spChg>
+        <pc:spChg chg="add del">
+          <ac:chgData name="♠️ Ace" userId="c1234b77269e5bf0" providerId="LiveId" clId="{CCA53D3A-0FB8-4AB2-A9A1-E5DD91239723}" dt="2023-04-20T22:28:25.957" v="1295" actId="26606"/>
+          <ac:spMkLst>
+            <pc:docMk/>
+            <pc:sldMk cId="1288727695" sldId="270"/>
+            <ac:spMk id="27" creationId="{ADA271CD-3011-4A05-B4A3-80F1794684F2}"/>
+          </ac:spMkLst>
+        </pc:spChg>
+        <pc:picChg chg="add del mod ord">
+          <ac:chgData name="♠️ Ace" userId="c1234b77269e5bf0" providerId="LiveId" clId="{CCA53D3A-0FB8-4AB2-A9A1-E5DD91239723}" dt="2023-04-20T22:28:26.300" v="1296" actId="22"/>
+          <ac:picMkLst>
+            <pc:docMk/>
+            <pc:sldMk cId="1288727695" sldId="270"/>
+            <ac:picMk id="5" creationId="{332AD812-9E00-644F-A8BB-38DFE8603679}"/>
+          </ac:picMkLst>
+        </pc:picChg>
+        <pc:picChg chg="add mod ord">
+          <ac:chgData name="♠️ Ace" userId="c1234b77269e5bf0" providerId="LiveId" clId="{CCA53D3A-0FB8-4AB2-A9A1-E5DD91239723}" dt="2023-04-20T22:31:06.061" v="1300" actId="1076"/>
+          <ac:picMkLst>
+            <pc:docMk/>
+            <pc:sldMk cId="1288727695" sldId="270"/>
+            <ac:picMk id="7" creationId="{16DDC5B8-1F33-1B6A-BA86-3F83A8E8D8EB}"/>
+          </ac:picMkLst>
+        </pc:picChg>
+        <pc:picChg chg="add mod">
+          <ac:chgData name="♠️ Ace" userId="c1234b77269e5bf0" providerId="LiveId" clId="{CCA53D3A-0FB8-4AB2-A9A1-E5DD91239723}" dt="2023-04-20T22:31:48.665" v="1302" actId="1076"/>
+          <ac:picMkLst>
+            <pc:docMk/>
+            <pc:sldMk cId="1288727695" sldId="270"/>
+            <ac:picMk id="9" creationId="{A3C78E7A-6A97-2F95-21B0-55B784552A3D}"/>
+          </ac:picMkLst>
+        </pc:picChg>
+        <pc:cxnChg chg="add del">
+          <ac:chgData name="♠️ Ace" userId="c1234b77269e5bf0" providerId="LiveId" clId="{CCA53D3A-0FB8-4AB2-A9A1-E5DD91239723}" dt="2023-04-20T22:28:23.504" v="1293" actId="26606"/>
+          <ac:cxnSpMkLst>
+            <pc:docMk/>
+            <pc:sldMk cId="1288727695" sldId="270"/>
+            <ac:cxnSpMk id="12" creationId="{0CB1C732-7193-4253-8746-850D090A6B4E}"/>
+          </ac:cxnSpMkLst>
+        </pc:cxnChg>
+        <pc:cxnChg chg="add del">
+          <ac:chgData name="♠️ Ace" userId="c1234b77269e5bf0" providerId="LiveId" clId="{CCA53D3A-0FB8-4AB2-A9A1-E5DD91239723}" dt="2023-04-20T22:28:23.504" v="1293" actId="26606"/>
+          <ac:cxnSpMkLst>
+            <pc:docMk/>
+            <pc:sldMk cId="1288727695" sldId="270"/>
+            <ac:cxnSpMk id="18" creationId="{E3B95BE3-D5B2-4F38-9A01-17866C9FBA6E}"/>
+          </ac:cxnSpMkLst>
+        </pc:cxnChg>
+        <pc:cxnChg chg="add del">
+          <ac:chgData name="♠️ Ace" userId="c1234b77269e5bf0" providerId="LiveId" clId="{CCA53D3A-0FB8-4AB2-A9A1-E5DD91239723}" dt="2023-04-20T22:28:25.957" v="1295" actId="26606"/>
+          <ac:cxnSpMkLst>
+            <pc:docMk/>
+            <pc:sldMk cId="1288727695" sldId="270"/>
+            <ac:cxnSpMk id="23" creationId="{0CB1C732-7193-4253-8746-850D090A6B4E}"/>
+          </ac:cxnSpMkLst>
+        </pc:cxnChg>
+        <pc:cxnChg chg="add del">
+          <ac:chgData name="♠️ Ace" userId="c1234b77269e5bf0" providerId="LiveId" clId="{CCA53D3A-0FB8-4AB2-A9A1-E5DD91239723}" dt="2023-04-20T22:28:25.957" v="1295" actId="26606"/>
+          <ac:cxnSpMkLst>
+            <pc:docMk/>
+            <pc:sldMk cId="1288727695" sldId="270"/>
+            <ac:cxnSpMk id="25" creationId="{E3B95BE3-D5B2-4F38-9A01-17866C9FBA6E}"/>
+          </ac:cxnSpMkLst>
+        </pc:cxnChg>
+      </pc:sldChg>
+      <pc:sldChg chg="addSp delSp modSp new mod ord">
+        <pc:chgData name="♠️ Ace" userId="c1234b77269e5bf0" providerId="LiveId" clId="{CCA53D3A-0FB8-4AB2-A9A1-E5DD91239723}" dt="2023-04-21T13:42:15.417" v="2195" actId="20577"/>
+        <pc:sldMkLst>
+          <pc:docMk/>
+          <pc:sldMk cId="2036351578" sldId="271"/>
+        </pc:sldMkLst>
+        <pc:spChg chg="mod">
+          <ac:chgData name="♠️ Ace" userId="c1234b77269e5bf0" providerId="LiveId" clId="{CCA53D3A-0FB8-4AB2-A9A1-E5DD91239723}" dt="2023-04-21T13:42:15.417" v="2195" actId="20577"/>
+          <ac:spMkLst>
+            <pc:docMk/>
+            <pc:sldMk cId="2036351578" sldId="271"/>
+            <ac:spMk id="2" creationId="{51524FAB-C448-4406-408F-C10270D2A126}"/>
+          </ac:spMkLst>
+        </pc:spChg>
+        <pc:spChg chg="del">
+          <ac:chgData name="♠️ Ace" userId="c1234b77269e5bf0" providerId="LiveId" clId="{CCA53D3A-0FB8-4AB2-A9A1-E5DD91239723}" dt="2023-04-21T13:29:59.832" v="2005"/>
+          <ac:spMkLst>
+            <pc:docMk/>
+            <pc:sldMk cId="2036351578" sldId="271"/>
+            <ac:spMk id="3" creationId="{3259C3AE-25B6-6808-045F-7E89FC81F193}"/>
+          </ac:spMkLst>
+        </pc:spChg>
+        <pc:spChg chg="add del mod">
+          <ac:chgData name="♠️ Ace" userId="c1234b77269e5bf0" providerId="LiveId" clId="{CCA53D3A-0FB8-4AB2-A9A1-E5DD91239723}" dt="2023-04-21T13:30:10.745" v="2008"/>
+          <ac:spMkLst>
+            <pc:docMk/>
+            <pc:sldMk cId="2036351578" sldId="271"/>
+            <ac:spMk id="6" creationId="{7A893661-75AF-39A9-5580-99C6344E1BBD}"/>
+          </ac:spMkLst>
+        </pc:spChg>
+        <pc:picChg chg="add del mod">
+          <ac:chgData name="♠️ Ace" userId="c1234b77269e5bf0" providerId="LiveId" clId="{CCA53D3A-0FB8-4AB2-A9A1-E5DD91239723}" dt="2023-04-21T13:30:01.667" v="2006" actId="21"/>
+          <ac:picMkLst>
+            <pc:docMk/>
+            <pc:sldMk cId="2036351578" sldId="271"/>
+            <ac:picMk id="4" creationId="{D054071B-D099-AB4E-1568-E7FA65ABB9E1}"/>
+          </ac:picMkLst>
+        </pc:picChg>
+        <pc:picChg chg="add mod">
+          <ac:chgData name="♠️ Ace" userId="c1234b77269e5bf0" providerId="LiveId" clId="{CCA53D3A-0FB8-4AB2-A9A1-E5DD91239723}" dt="2023-04-21T13:30:10.745" v="2008"/>
+          <ac:picMkLst>
+            <pc:docMk/>
+            <pc:sldMk cId="2036351578" sldId="271"/>
+            <ac:picMk id="2050" creationId="{156DA36D-B548-2EE9-F6F7-37D713C5433F}"/>
+          </ac:picMkLst>
+        </pc:picChg>
+      </pc:sldChg>
+      <pc:sldChg chg="addSp new">
+        <pc:chgData name="♠️ Ace" userId="c1234b77269e5bf0" providerId="LiveId" clId="{CCA53D3A-0FB8-4AB2-A9A1-E5DD91239723}" dt="2023-04-21T13:36:18.742" v="2045"/>
+        <pc:sldMkLst>
+          <pc:docMk/>
+          <pc:sldMk cId="1378564174" sldId="272"/>
+        </pc:sldMkLst>
+        <pc:picChg chg="add">
+          <ac:chgData name="♠️ Ace" userId="c1234b77269e5bf0" providerId="LiveId" clId="{CCA53D3A-0FB8-4AB2-A9A1-E5DD91239723}" dt="2023-04-21T13:36:18.742" v="2045"/>
+          <ac:picMkLst>
+            <pc:docMk/>
+            <pc:sldMk cId="1378564174" sldId="272"/>
+            <ac:picMk id="4" creationId="{EF471DCC-8315-834D-6129-40C3F0A40453}"/>
+          </ac:picMkLst>
+        </pc:picChg>
+      </pc:sldChg>
+      <pc:sldChg chg="addSp new">
+        <pc:chgData name="♠️ Ace" userId="c1234b77269e5bf0" providerId="LiveId" clId="{CCA53D3A-0FB8-4AB2-A9A1-E5DD91239723}" dt="2023-04-21T13:36:42.341" v="2047"/>
+        <pc:sldMkLst>
+          <pc:docMk/>
+          <pc:sldMk cId="2359557180" sldId="273"/>
+        </pc:sldMkLst>
+        <pc:picChg chg="add">
+          <ac:chgData name="♠️ Ace" userId="c1234b77269e5bf0" providerId="LiveId" clId="{CCA53D3A-0FB8-4AB2-A9A1-E5DD91239723}" dt="2023-04-21T13:36:42.341" v="2047"/>
+          <ac:picMkLst>
+            <pc:docMk/>
+            <pc:sldMk cId="2359557180" sldId="273"/>
+            <ac:picMk id="4" creationId="{1D24F5FF-E158-D070-F375-05D7EA861F3D}"/>
+          </ac:picMkLst>
+        </pc:picChg>
+      </pc:sldChg>
+      <pc:sldChg chg="modSp new del mod">
+        <pc:chgData name="♠️ Ace" userId="c1234b77269e5bf0" providerId="LiveId" clId="{CCA53D3A-0FB8-4AB2-A9A1-E5DD91239723}" dt="2023-04-21T13:40:16.977" v="2181" actId="2696"/>
+        <pc:sldMkLst>
+          <pc:docMk/>
+          <pc:sldMk cId="855165371" sldId="274"/>
+        </pc:sldMkLst>
+        <pc:spChg chg="mod">
+          <ac:chgData name="♠️ Ace" userId="c1234b77269e5bf0" providerId="LiveId" clId="{CCA53D3A-0FB8-4AB2-A9A1-E5DD91239723}" dt="2023-04-21T13:40:09.422" v="2180" actId="20577"/>
+          <ac:spMkLst>
+            <pc:docMk/>
+            <pc:sldMk cId="855165371" sldId="274"/>
+            <ac:spMk id="2" creationId="{A79BFAF6-53A3-98A3-2529-A0305691A60E}"/>
+          </ac:spMkLst>
+        </pc:spChg>
+      </pc:sldChg>
+      <pc:sldChg chg="new del">
+        <pc:chgData name="♠️ Ace" userId="c1234b77269e5bf0" providerId="LiveId" clId="{CCA53D3A-0FB8-4AB2-A9A1-E5DD91239723}" dt="2023-04-21T14:13:04.509" v="2372" actId="2696"/>
+        <pc:sldMkLst>
+          <pc:docMk/>
+          <pc:sldMk cId="1419516362" sldId="274"/>
+        </pc:sldMkLst>
+      </pc:sldChg>
+    </pc:docChg>
+  </pc:docChgLst>
+</pc:chgInfo>
 </file>
 
 <file path=ppt/slideLayouts/slideLayout1.xml><?xml version="1.0" encoding="utf-8"?>
@@ -3938,7 +4645,7 @@
       </p:grpSpPr>
       <p:sp useBgFill="1">
         <p:nvSpPr>
-          <p:cNvPr id="9" name="Rectangle 8">
+          <p:cNvPr id="29" name="Rectangle 28">
             <a:extLst>
               <a:ext uri="{FF2B5EF4-FFF2-40B4-BE49-F238E27FC236}">
                 <a16:creationId xmlns:a16="http://schemas.microsoft.com/office/drawing/2014/main" id="{55B419A7-F817-4767-8CCB-FB0E189C4ACD}"/>
@@ -4025,7 +4732,7 @@
           <a:lstStyle/>
           <a:p>
             <a:r>
-              <a:rPr lang="en-GB" sz="6000" dirty="0"/>
+              <a:rPr lang="en-GB" sz="6000"/>
               <a:t>Spotify data for songs 1950-2020</a:t>
             </a:r>
           </a:p>
@@ -4060,7 +4767,7 @@
           <a:lstStyle/>
           <a:p>
             <a:r>
-              <a:rPr lang="en-GB" dirty="0"/>
+              <a:rPr lang="en-GB"/>
               <a:t>Team 21</a:t>
             </a:r>
           </a:p>
@@ -4082,7 +4789,7 @@
         </p:nvPicPr>
         <p:blipFill rotWithShape="1">
           <a:blip r:embed="rId2"/>
-          <a:srcRect l="13843" r="43382"/>
+          <a:srcRect l="13762" r="43464"/>
           <a:stretch/>
         </p:blipFill>
         <p:spPr>
@@ -4131,7 +4838,7 @@
       </p:pic>
       <p:cxnSp>
         <p:nvCxnSpPr>
-          <p:cNvPr id="11" name="Straight Connector 10">
+          <p:cNvPr id="31" name="Straight Connector 30">
             <a:extLst>
               <a:ext uri="{FF2B5EF4-FFF2-40B4-BE49-F238E27FC236}">
                 <a16:creationId xmlns:a16="http://schemas.microsoft.com/office/drawing/2014/main" id="{E3B95BE3-D5B2-4F38-9A01-17866C9FBA6E}"/>
@@ -4183,7 +4890,7 @@
       </p:cxnSp>
       <p:sp>
         <p:nvSpPr>
-          <p:cNvPr id="13" name="Freeform 6">
+          <p:cNvPr id="33" name="Freeform 6">
             <a:extLst>
               <a:ext uri="{FF2B5EF4-FFF2-40B4-BE49-F238E27FC236}">
                 <a16:creationId xmlns:a16="http://schemas.microsoft.com/office/drawing/2014/main" id="{ADA271CD-3011-4A05-B4A3-80F1794684F2}"/>
@@ -4409,6 +5116,637 @@
     <p:extLst>
       <p:ext uri="{BB962C8B-B14F-4D97-AF65-F5344CB8AC3E}">
         <p14:creationId xmlns:p14="http://schemas.microsoft.com/office/powerpoint/2010/main" val="4011801235"/>
+      </p:ext>
+    </p:extLst>
+  </p:cSld>
+  <p:clrMapOvr>
+    <a:masterClrMapping/>
+  </p:clrMapOvr>
+</p:sld>
+</file>
+
+<file path=ppt/slides/slide10.xml><?xml version="1.0" encoding="utf-8"?>
+<p:sld xmlns:a="http://schemas.openxmlformats.org/drawingml/2006/main" xmlns:r="http://schemas.openxmlformats.org/officeDocument/2006/relationships" xmlns:p="http://schemas.openxmlformats.org/presentationml/2006/main">
+  <p:cSld>
+    <p:spTree>
+      <p:nvGrpSpPr>
+        <p:cNvPr id="1" name=""/>
+        <p:cNvGrpSpPr/>
+        <p:nvPr/>
+      </p:nvGrpSpPr>
+      <p:grpSpPr>
+        <a:xfrm>
+          <a:off x="0" y="0"/>
+          <a:ext cx="0" cy="0"/>
+          <a:chOff x="0" y="0"/>
+          <a:chExt cx="0" cy="0"/>
+        </a:xfrm>
+      </p:grpSpPr>
+      <p:sp>
+        <p:nvSpPr>
+          <p:cNvPr id="2" name="Title 1">
+            <a:extLst>
+              <a:ext uri="{FF2B5EF4-FFF2-40B4-BE49-F238E27FC236}">
+                <a16:creationId xmlns:a16="http://schemas.microsoft.com/office/drawing/2014/main" id="{51524FAB-C448-4406-408F-C10270D2A126}"/>
+              </a:ext>
+            </a:extLst>
+          </p:cNvPr>
+          <p:cNvSpPr>
+            <a:spLocks noGrp="1"/>
+          </p:cNvSpPr>
+          <p:nvPr>
+            <p:ph type="title"/>
+          </p:nvPr>
+        </p:nvSpPr>
+        <p:spPr/>
+        <p:txBody>
+          <a:bodyPr>
+            <a:normAutofit fontScale="90000"/>
+          </a:bodyPr>
+          <a:lstStyle/>
+          <a:p>
+            <a:r>
+              <a:rPr lang="en-GB" dirty="0"/>
+              <a:t>Louis – How this compares to the most popular music</a:t>
+            </a:r>
+          </a:p>
+        </p:txBody>
+      </p:sp>
+      <p:pic>
+        <p:nvPicPr>
+          <p:cNvPr id="2050" name="Picture 2">
+            <a:extLst>
+              <a:ext uri="{FF2B5EF4-FFF2-40B4-BE49-F238E27FC236}">
+                <a16:creationId xmlns:a16="http://schemas.microsoft.com/office/drawing/2014/main" id="{156DA36D-B548-2EE9-F6F7-37D713C5433F}"/>
+              </a:ext>
+            </a:extLst>
+          </p:cNvPr>
+          <p:cNvPicPr>
+            <a:picLocks noGrp="1" noChangeAspect="1" noChangeArrowheads="1"/>
+          </p:cNvPicPr>
+          <p:nvPr>
+            <p:ph idx="1"/>
+          </p:nvPr>
+        </p:nvPicPr>
+        <p:blipFill>
+          <a:blip r:embed="rId2">
+            <a:extLst>
+              <a:ext uri="{28A0092B-C50C-407E-A947-70E740481C1C}">
+                <a14:useLocalDpi xmlns:a14="http://schemas.microsoft.com/office/drawing/2010/main" val="0"/>
+              </a:ext>
+            </a:extLst>
+          </a:blip>
+          <a:srcRect/>
+          <a:stretch>
+            <a:fillRect/>
+          </a:stretch>
+        </p:blipFill>
+        <p:spPr bwMode="auto">
+          <a:xfrm>
+            <a:off x="5626798" y="758825"/>
+            <a:ext cx="5361179" cy="4754563"/>
+          </a:xfrm>
+          <a:prstGeom prst="rect">
+            <a:avLst/>
+          </a:prstGeom>
+          <a:noFill/>
+          <a:extLst>
+            <a:ext uri="{909E8E84-426E-40DD-AFC4-6F175D3DCCD1}">
+              <a14:hiddenFill xmlns:a14="http://schemas.microsoft.com/office/drawing/2010/main">
+                <a:solidFill>
+                  <a:srgbClr val="FFFFFF"/>
+                </a:solidFill>
+              </a14:hiddenFill>
+            </a:ext>
+          </a:extLst>
+        </p:spPr>
+      </p:pic>
+    </p:spTree>
+    <p:extLst>
+      <p:ext uri="{BB962C8B-B14F-4D97-AF65-F5344CB8AC3E}">
+        <p14:creationId xmlns:p14="http://schemas.microsoft.com/office/powerpoint/2010/main" val="2036351578"/>
+      </p:ext>
+    </p:extLst>
+  </p:cSld>
+  <p:clrMapOvr>
+    <a:masterClrMapping/>
+  </p:clrMapOvr>
+</p:sld>
+</file>
+
+<file path=ppt/slides/slide11.xml><?xml version="1.0" encoding="utf-8"?>
+<p:sld xmlns:a="http://schemas.openxmlformats.org/drawingml/2006/main" xmlns:r="http://schemas.openxmlformats.org/officeDocument/2006/relationships" xmlns:p="http://schemas.openxmlformats.org/presentationml/2006/main">
+  <p:cSld>
+    <p:spTree>
+      <p:nvGrpSpPr>
+        <p:cNvPr id="1" name=""/>
+        <p:cNvGrpSpPr/>
+        <p:nvPr/>
+      </p:nvGrpSpPr>
+      <p:grpSpPr>
+        <a:xfrm>
+          <a:off x="0" y="0"/>
+          <a:ext cx="0" cy="0"/>
+          <a:chOff x="0" y="0"/>
+          <a:chExt cx="0" cy="0"/>
+        </a:xfrm>
+      </p:grpSpPr>
+      <p:sp>
+        <p:nvSpPr>
+          <p:cNvPr id="2" name="Title 1">
+            <a:extLst>
+              <a:ext uri="{FF2B5EF4-FFF2-40B4-BE49-F238E27FC236}">
+                <a16:creationId xmlns:a16="http://schemas.microsoft.com/office/drawing/2014/main" id="{45D1FD2B-180C-EFF0-759F-D1F3FDF6500A}"/>
+              </a:ext>
+            </a:extLst>
+          </p:cNvPr>
+          <p:cNvSpPr>
+            <a:spLocks noGrp="1"/>
+          </p:cNvSpPr>
+          <p:nvPr>
+            <p:ph type="title"/>
+          </p:nvPr>
+        </p:nvSpPr>
+        <p:spPr/>
+        <p:txBody>
+          <a:bodyPr>
+            <a:normAutofit/>
+          </a:bodyPr>
+          <a:lstStyle/>
+          <a:p>
+            <a:r>
+              <a:rPr lang="en-GB" sz="4800" dirty="0"/>
+              <a:t>Paddy - Data Representation</a:t>
+            </a:r>
+            <a:br>
+              <a:rPr lang="en-GB" sz="4800" dirty="0"/>
+            </a:br>
+            <a:r>
+              <a:rPr lang="en-GB" sz="4800" dirty="0"/>
+              <a:t>of the effect of tempo on popularity</a:t>
+            </a:r>
+          </a:p>
+        </p:txBody>
+      </p:sp>
+      <p:pic>
+        <p:nvPicPr>
+          <p:cNvPr id="4" name="Content Placeholder 3">
+            <a:extLst>
+              <a:ext uri="{FF2B5EF4-FFF2-40B4-BE49-F238E27FC236}">
+                <a16:creationId xmlns:a16="http://schemas.microsoft.com/office/drawing/2014/main" id="{D2068A0D-8131-9E71-DDA5-AE2EA8D00F55}"/>
+              </a:ext>
+            </a:extLst>
+          </p:cNvPr>
+          <p:cNvPicPr>
+            <a:picLocks noGrp="1" noChangeAspect="1"/>
+          </p:cNvPicPr>
+          <p:nvPr>
+            <p:ph idx="1"/>
+          </p:nvPr>
+        </p:nvPicPr>
+        <p:blipFill>
+          <a:blip r:embed="rId2"/>
+          <a:stretch>
+            <a:fillRect/>
+          </a:stretch>
+        </p:blipFill>
+        <p:spPr>
+          <a:xfrm>
+            <a:off x="5548617" y="758825"/>
+            <a:ext cx="5517541" cy="4754563"/>
+          </a:xfrm>
+          <a:prstGeom prst="rect">
+            <a:avLst/>
+          </a:prstGeom>
+        </p:spPr>
+      </p:pic>
+    </p:spTree>
+    <p:extLst>
+      <p:ext uri="{BB962C8B-B14F-4D97-AF65-F5344CB8AC3E}">
+        <p14:creationId xmlns:p14="http://schemas.microsoft.com/office/powerpoint/2010/main" val="2513598026"/>
+      </p:ext>
+    </p:extLst>
+  </p:cSld>
+  <p:clrMapOvr>
+    <a:masterClrMapping/>
+  </p:clrMapOvr>
+</p:sld>
+</file>
+
+<file path=ppt/slides/slide12.xml><?xml version="1.0" encoding="utf-8"?>
+<p:sld xmlns:a="http://schemas.openxmlformats.org/drawingml/2006/main" xmlns:r="http://schemas.openxmlformats.org/officeDocument/2006/relationships" xmlns:p="http://schemas.openxmlformats.org/presentationml/2006/main">
+  <p:cSld>
+    <p:spTree>
+      <p:nvGrpSpPr>
+        <p:cNvPr id="1" name=""/>
+        <p:cNvGrpSpPr/>
+        <p:nvPr/>
+      </p:nvGrpSpPr>
+      <p:grpSpPr>
+        <a:xfrm>
+          <a:off x="0" y="0"/>
+          <a:ext cx="0" cy="0"/>
+          <a:chOff x="0" y="0"/>
+          <a:chExt cx="0" cy="0"/>
+        </a:xfrm>
+      </p:grpSpPr>
+      <p:sp>
+        <p:nvSpPr>
+          <p:cNvPr id="2" name="Title 1">
+            <a:extLst>
+              <a:ext uri="{FF2B5EF4-FFF2-40B4-BE49-F238E27FC236}">
+                <a16:creationId xmlns:a16="http://schemas.microsoft.com/office/drawing/2014/main" id="{573B97EC-2861-34FB-AEEA-C6EA9988936C}"/>
+              </a:ext>
+            </a:extLst>
+          </p:cNvPr>
+          <p:cNvSpPr>
+            <a:spLocks noGrp="1"/>
+          </p:cNvSpPr>
+          <p:nvPr>
+            <p:ph type="title"/>
+          </p:nvPr>
+        </p:nvSpPr>
+        <p:spPr/>
+        <p:txBody>
+          <a:bodyPr/>
+          <a:lstStyle/>
+          <a:p>
+            <a:r>
+              <a:rPr lang="en-GB" dirty="0"/>
+              <a:t>Ed - Popularity compared to Valence</a:t>
+            </a:r>
+            <a:br>
+              <a:rPr lang="en-GB" dirty="0"/>
+            </a:br>
+            <a:endParaRPr lang="en-GB" dirty="0"/>
+          </a:p>
+        </p:txBody>
+      </p:sp>
+      <p:pic>
+        <p:nvPicPr>
+          <p:cNvPr id="1026" name="Picture 2">
+            <a:extLst>
+              <a:ext uri="{FF2B5EF4-FFF2-40B4-BE49-F238E27FC236}">
+                <a16:creationId xmlns:a16="http://schemas.microsoft.com/office/drawing/2014/main" id="{101723E0-48DE-8929-8F2D-B0C30FC0F743}"/>
+              </a:ext>
+            </a:extLst>
+          </p:cNvPr>
+          <p:cNvPicPr>
+            <a:picLocks noGrp="1" noChangeAspect="1" noChangeArrowheads="1"/>
+          </p:cNvPicPr>
+          <p:nvPr>
+            <p:ph idx="1"/>
+          </p:nvPr>
+        </p:nvPicPr>
+        <p:blipFill>
+          <a:blip r:embed="rId2">
+            <a:extLst>
+              <a:ext uri="{28A0092B-C50C-407E-A947-70E740481C1C}">
+                <a14:useLocalDpi xmlns:a14="http://schemas.microsoft.com/office/drawing/2010/main" val="0"/>
+              </a:ext>
+            </a:extLst>
+          </a:blip>
+          <a:srcRect/>
+          <a:stretch>
+            <a:fillRect/>
+          </a:stretch>
+        </p:blipFill>
+        <p:spPr bwMode="auto">
+          <a:xfrm>
+            <a:off x="5486954" y="758825"/>
+            <a:ext cx="5640866" cy="4754563"/>
+          </a:xfrm>
+          <a:prstGeom prst="rect">
+            <a:avLst/>
+          </a:prstGeom>
+          <a:noFill/>
+          <a:extLst>
+            <a:ext uri="{909E8E84-426E-40DD-AFC4-6F175D3DCCD1}">
+              <a14:hiddenFill xmlns:a14="http://schemas.microsoft.com/office/drawing/2010/main">
+                <a:solidFill>
+                  <a:srgbClr val="FFFFFF"/>
+                </a:solidFill>
+              </a14:hiddenFill>
+            </a:ext>
+          </a:extLst>
+        </p:spPr>
+      </p:pic>
+    </p:spTree>
+    <p:extLst>
+      <p:ext uri="{BB962C8B-B14F-4D97-AF65-F5344CB8AC3E}">
+        <p14:creationId xmlns:p14="http://schemas.microsoft.com/office/powerpoint/2010/main" val="4178552829"/>
+      </p:ext>
+    </p:extLst>
+  </p:cSld>
+  <p:clrMapOvr>
+    <a:masterClrMapping/>
+  </p:clrMapOvr>
+</p:sld>
+</file>
+
+<file path=ppt/slides/slide13.xml><?xml version="1.0" encoding="utf-8"?>
+<p:sld xmlns:a="http://schemas.openxmlformats.org/drawingml/2006/main" xmlns:r="http://schemas.openxmlformats.org/officeDocument/2006/relationships" xmlns:p="http://schemas.openxmlformats.org/presentationml/2006/main">
+  <p:cSld>
+    <p:spTree>
+      <p:nvGrpSpPr>
+        <p:cNvPr id="1" name=""/>
+        <p:cNvGrpSpPr/>
+        <p:nvPr/>
+      </p:nvGrpSpPr>
+      <p:grpSpPr>
+        <a:xfrm>
+          <a:off x="0" y="0"/>
+          <a:ext cx="0" cy="0"/>
+          <a:chOff x="0" y="0"/>
+          <a:chExt cx="0" cy="0"/>
+        </a:xfrm>
+      </p:grpSpPr>
+      <p:sp>
+        <p:nvSpPr>
+          <p:cNvPr id="2" name="Title 1">
+            <a:extLst>
+              <a:ext uri="{FF2B5EF4-FFF2-40B4-BE49-F238E27FC236}">
+                <a16:creationId xmlns:a16="http://schemas.microsoft.com/office/drawing/2014/main" id="{FC5C2236-9341-F477-36BB-27004C174B80}"/>
+              </a:ext>
+            </a:extLst>
+          </p:cNvPr>
+          <p:cNvSpPr>
+            <a:spLocks noGrp="1"/>
+          </p:cNvSpPr>
+          <p:nvPr>
+            <p:ph type="title"/>
+          </p:nvPr>
+        </p:nvSpPr>
+        <p:spPr/>
+        <p:txBody>
+          <a:bodyPr>
+            <a:normAutofit/>
+          </a:bodyPr>
+          <a:lstStyle/>
+          <a:p>
+            <a:r>
+              <a:rPr lang="en-GB" sz="4400" dirty="0"/>
+              <a:t>Charlie - How does song danceability change by release year</a:t>
+            </a:r>
+          </a:p>
+        </p:txBody>
+      </p:sp>
+      <p:pic>
+        <p:nvPicPr>
+          <p:cNvPr id="4" name="Content Placeholder 3">
+            <a:extLst>
+              <a:ext uri="{FF2B5EF4-FFF2-40B4-BE49-F238E27FC236}">
+                <a16:creationId xmlns:a16="http://schemas.microsoft.com/office/drawing/2014/main" id="{09E8690E-99D8-5984-D458-933385666C0E}"/>
+              </a:ext>
+            </a:extLst>
+          </p:cNvPr>
+          <p:cNvPicPr>
+            <a:picLocks noGrp="1" noChangeAspect="1"/>
+          </p:cNvPicPr>
+          <p:nvPr>
+            <p:ph idx="1"/>
+          </p:nvPr>
+        </p:nvPicPr>
+        <p:blipFill>
+          <a:blip r:embed="rId2"/>
+          <a:stretch>
+            <a:fillRect/>
+          </a:stretch>
+        </p:blipFill>
+        <p:spPr>
+          <a:xfrm>
+            <a:off x="5397500" y="892969"/>
+            <a:ext cx="5819775" cy="4486275"/>
+          </a:xfrm>
+          <a:prstGeom prst="rect">
+            <a:avLst/>
+          </a:prstGeom>
+        </p:spPr>
+      </p:pic>
+    </p:spTree>
+    <p:extLst>
+      <p:ext uri="{BB962C8B-B14F-4D97-AF65-F5344CB8AC3E}">
+        <p14:creationId xmlns:p14="http://schemas.microsoft.com/office/powerpoint/2010/main" val="2652466250"/>
+      </p:ext>
+    </p:extLst>
+  </p:cSld>
+  <p:clrMapOvr>
+    <a:masterClrMapping/>
+  </p:clrMapOvr>
+</p:sld>
+</file>
+
+<file path=ppt/slides/slide14.xml><?xml version="1.0" encoding="utf-8"?>
+<p:sld xmlns:a="http://schemas.openxmlformats.org/drawingml/2006/main" xmlns:r="http://schemas.openxmlformats.org/officeDocument/2006/relationships" xmlns:p="http://schemas.openxmlformats.org/presentationml/2006/main">
+  <p:cSld>
+    <p:spTree>
+      <p:nvGrpSpPr>
+        <p:cNvPr id="1" name=""/>
+        <p:cNvGrpSpPr/>
+        <p:nvPr/>
+      </p:nvGrpSpPr>
+      <p:grpSpPr>
+        <a:xfrm>
+          <a:off x="0" y="0"/>
+          <a:ext cx="0" cy="0"/>
+          <a:chOff x="0" y="0"/>
+          <a:chExt cx="0" cy="0"/>
+        </a:xfrm>
+      </p:grpSpPr>
+      <p:pic>
+        <p:nvPicPr>
+          <p:cNvPr id="4" name="Picture 3">
+            <a:extLst>
+              <a:ext uri="{FF2B5EF4-FFF2-40B4-BE49-F238E27FC236}">
+                <a16:creationId xmlns:a16="http://schemas.microsoft.com/office/drawing/2014/main" id="{EF471DCC-8315-834D-6129-40C3F0A40453}"/>
+              </a:ext>
+            </a:extLst>
+          </p:cNvPr>
+          <p:cNvPicPr>
+            <a:picLocks noChangeAspect="1"/>
+          </p:cNvPicPr>
+          <p:nvPr/>
+        </p:nvPicPr>
+        <p:blipFill>
+          <a:blip r:embed="rId2"/>
+          <a:stretch>
+            <a:fillRect/>
+          </a:stretch>
+        </p:blipFill>
+        <p:spPr>
+          <a:xfrm>
+            <a:off x="0" y="1848270"/>
+            <a:ext cx="12192000" cy="3161459"/>
+          </a:xfrm>
+          <a:prstGeom prst="rect">
+            <a:avLst/>
+          </a:prstGeom>
+        </p:spPr>
+      </p:pic>
+      <p:sp>
+        <p:nvSpPr>
+          <p:cNvPr id="2" name="Title 1">
+            <a:extLst>
+              <a:ext uri="{FF2B5EF4-FFF2-40B4-BE49-F238E27FC236}">
+                <a16:creationId xmlns:a16="http://schemas.microsoft.com/office/drawing/2014/main" id="{2FD34573-823A-BF55-3939-133D902631C0}"/>
+              </a:ext>
+            </a:extLst>
+          </p:cNvPr>
+          <p:cNvSpPr>
+            <a:spLocks noGrp="1"/>
+          </p:cNvSpPr>
+          <p:nvPr>
+            <p:ph type="title"/>
+          </p:nvPr>
+        </p:nvSpPr>
+        <p:spPr/>
+        <p:txBody>
+          <a:bodyPr/>
+          <a:lstStyle/>
+          <a:p>
+            <a:endParaRPr lang="en-GB" dirty="0"/>
+          </a:p>
+        </p:txBody>
+      </p:sp>
+      <p:sp>
+        <p:nvSpPr>
+          <p:cNvPr id="3" name="Text Placeholder 2">
+            <a:extLst>
+              <a:ext uri="{FF2B5EF4-FFF2-40B4-BE49-F238E27FC236}">
+                <a16:creationId xmlns:a16="http://schemas.microsoft.com/office/drawing/2014/main" id="{CFA39EDA-BBE9-7E43-8382-89AB868E19B1}"/>
+              </a:ext>
+            </a:extLst>
+          </p:cNvPr>
+          <p:cNvSpPr>
+            <a:spLocks noGrp="1"/>
+          </p:cNvSpPr>
+          <p:nvPr>
+            <p:ph type="body" idx="1"/>
+          </p:nvPr>
+        </p:nvSpPr>
+        <p:spPr/>
+        <p:txBody>
+          <a:bodyPr/>
+          <a:lstStyle/>
+          <a:p>
+            <a:endParaRPr lang="en-GB"/>
+          </a:p>
+        </p:txBody>
+      </p:sp>
+    </p:spTree>
+    <p:extLst>
+      <p:ext uri="{BB962C8B-B14F-4D97-AF65-F5344CB8AC3E}">
+        <p14:creationId xmlns:p14="http://schemas.microsoft.com/office/powerpoint/2010/main" val="1378564174"/>
+      </p:ext>
+    </p:extLst>
+  </p:cSld>
+  <p:clrMapOvr>
+    <a:masterClrMapping/>
+  </p:clrMapOvr>
+</p:sld>
+</file>
+
+<file path=ppt/slides/slide15.xml><?xml version="1.0" encoding="utf-8"?>
+<p:sld xmlns:a="http://schemas.openxmlformats.org/drawingml/2006/main" xmlns:r="http://schemas.openxmlformats.org/officeDocument/2006/relationships" xmlns:p="http://schemas.openxmlformats.org/presentationml/2006/main">
+  <p:cSld>
+    <p:spTree>
+      <p:nvGrpSpPr>
+        <p:cNvPr id="1" name=""/>
+        <p:cNvGrpSpPr/>
+        <p:nvPr/>
+      </p:nvGrpSpPr>
+      <p:grpSpPr>
+        <a:xfrm>
+          <a:off x="0" y="0"/>
+          <a:ext cx="0" cy="0"/>
+          <a:chOff x="0" y="0"/>
+          <a:chExt cx="0" cy="0"/>
+        </a:xfrm>
+      </p:grpSpPr>
+      <p:pic>
+        <p:nvPicPr>
+          <p:cNvPr id="4" name="Picture 3">
+            <a:extLst>
+              <a:ext uri="{FF2B5EF4-FFF2-40B4-BE49-F238E27FC236}">
+                <a16:creationId xmlns:a16="http://schemas.microsoft.com/office/drawing/2014/main" id="{1D24F5FF-E158-D070-F375-05D7EA861F3D}"/>
+              </a:ext>
+            </a:extLst>
+          </p:cNvPr>
+          <p:cNvPicPr>
+            <a:picLocks noChangeAspect="1"/>
+          </p:cNvPicPr>
+          <p:nvPr/>
+        </p:nvPicPr>
+        <p:blipFill>
+          <a:blip r:embed="rId2"/>
+          <a:stretch>
+            <a:fillRect/>
+          </a:stretch>
+        </p:blipFill>
+        <p:spPr>
+          <a:xfrm>
+            <a:off x="0" y="2456354"/>
+            <a:ext cx="12192000" cy="1945291"/>
+          </a:xfrm>
+          <a:prstGeom prst="rect">
+            <a:avLst/>
+          </a:prstGeom>
+        </p:spPr>
+      </p:pic>
+      <p:sp>
+        <p:nvSpPr>
+          <p:cNvPr id="2" name="Title 1">
+            <a:extLst>
+              <a:ext uri="{FF2B5EF4-FFF2-40B4-BE49-F238E27FC236}">
+                <a16:creationId xmlns:a16="http://schemas.microsoft.com/office/drawing/2014/main" id="{BA3AC287-31F3-E315-7E76-0A9040614197}"/>
+              </a:ext>
+            </a:extLst>
+          </p:cNvPr>
+          <p:cNvSpPr>
+            <a:spLocks noGrp="1"/>
+          </p:cNvSpPr>
+          <p:nvPr>
+            <p:ph type="title"/>
+          </p:nvPr>
+        </p:nvSpPr>
+        <p:spPr/>
+        <p:txBody>
+          <a:bodyPr/>
+          <a:lstStyle/>
+          <a:p>
+            <a:endParaRPr lang="en-GB" dirty="0"/>
+          </a:p>
+        </p:txBody>
+      </p:sp>
+      <p:sp>
+        <p:nvSpPr>
+          <p:cNvPr id="3" name="Text Placeholder 2">
+            <a:extLst>
+              <a:ext uri="{FF2B5EF4-FFF2-40B4-BE49-F238E27FC236}">
+                <a16:creationId xmlns:a16="http://schemas.microsoft.com/office/drawing/2014/main" id="{9539B556-D998-00A5-8969-04769E54C6E9}"/>
+              </a:ext>
+            </a:extLst>
+          </p:cNvPr>
+          <p:cNvSpPr>
+            <a:spLocks noGrp="1"/>
+          </p:cNvSpPr>
+          <p:nvPr>
+            <p:ph type="body" idx="1"/>
+          </p:nvPr>
+        </p:nvSpPr>
+        <p:spPr/>
+        <p:txBody>
+          <a:bodyPr/>
+          <a:lstStyle/>
+          <a:p>
+            <a:endParaRPr lang="en-GB"/>
+          </a:p>
+        </p:txBody>
+      </p:sp>
+    </p:spTree>
+    <p:extLst>
+      <p:ext uri="{BB962C8B-B14F-4D97-AF65-F5344CB8AC3E}">
+        <p14:creationId xmlns:p14="http://schemas.microsoft.com/office/powerpoint/2010/main" val="2359557180"/>
       </p:ext>
     </p:extLst>
   </p:cSld>
@@ -4487,6 +5825,15 @@
             <a:r>
               <a:rPr lang="en-GB" dirty="0"/>
               <a:t>Why did we choose the dataset we did (Spotify Song Data 1920 - 2020)?</a:t>
+            </a:r>
+          </a:p>
+          <a:p>
+            <a:endParaRPr lang="en-GB" dirty="0"/>
+          </a:p>
+          <a:p>
+            <a:r>
+              <a:rPr lang="en-GB" dirty="0"/>
+              <a:t>How we fixed representation of Cyrillic characters? </a:t>
             </a:r>
           </a:p>
           <a:p>
@@ -4615,7 +5962,9 @@
         </p:nvSpPr>
         <p:spPr/>
         <p:txBody>
-          <a:bodyPr/>
+          <a:bodyPr>
+            <a:normAutofit lnSpcReduction="10000"/>
+          </a:bodyPr>
           <a:lstStyle/>
           <a:p>
             <a:r>
@@ -4629,11 +5978,47 @@
           <a:p>
             <a:r>
               <a:rPr lang="en-GB" dirty="0"/>
-              <a:t>What each of these fields represent</a:t>
-            </a:r>
-          </a:p>
-          <a:p>
-            <a:endParaRPr lang="en-GB"/>
+              <a:t>Some of these fields are fairly simple such as:</a:t>
+            </a:r>
+          </a:p>
+          <a:p>
+            <a:r>
+              <a:rPr lang="en-GB" dirty="0"/>
+              <a:t>Artist</a:t>
+            </a:r>
+          </a:p>
+          <a:p>
+            <a:r>
+              <a:rPr lang="en-GB" dirty="0"/>
+              <a:t>Album</a:t>
+            </a:r>
+          </a:p>
+          <a:p>
+            <a:r>
+              <a:rPr lang="en-GB" dirty="0"/>
+              <a:t>Song Title</a:t>
+            </a:r>
+          </a:p>
+          <a:p>
+            <a:r>
+              <a:rPr lang="en-GB" dirty="0"/>
+              <a:t>Release Year</a:t>
+            </a:r>
+          </a:p>
+          <a:p>
+            <a:r>
+              <a:rPr lang="en-GB" dirty="0"/>
+              <a:t>BPM</a:t>
+            </a:r>
+          </a:p>
+          <a:p>
+            <a:endParaRPr lang="en-GB" dirty="0"/>
+          </a:p>
+          <a:p>
+            <a:r>
+              <a:rPr lang="en-GB" dirty="0"/>
+              <a:t>Some of the other fields require some explanation</a:t>
+            </a:r>
           </a:p>
           <a:p>
             <a:endParaRPr lang="en-GB" dirty="0"/>
@@ -4644,6 +6029,799 @@
     <p:extLst>
       <p:ext uri="{BB962C8B-B14F-4D97-AF65-F5344CB8AC3E}">
         <p14:creationId xmlns:p14="http://schemas.microsoft.com/office/powerpoint/2010/main" val="1998360855"/>
+      </p:ext>
+    </p:extLst>
+  </p:cSld>
+  <p:clrMapOvr>
+    <a:masterClrMapping/>
+  </p:clrMapOvr>
+</p:sld>
+</file>
+
+<file path=ppt/slides/slide4.xml><?xml version="1.0" encoding="utf-8"?>
+<p:sld xmlns:a="http://schemas.openxmlformats.org/drawingml/2006/main" xmlns:r="http://schemas.openxmlformats.org/officeDocument/2006/relationships" xmlns:p="http://schemas.openxmlformats.org/presentationml/2006/main">
+  <p:cSld>
+    <p:spTree>
+      <p:nvGrpSpPr>
+        <p:cNvPr id="1" name=""/>
+        <p:cNvGrpSpPr/>
+        <p:nvPr/>
+      </p:nvGrpSpPr>
+      <p:grpSpPr>
+        <a:xfrm>
+          <a:off x="0" y="0"/>
+          <a:ext cx="0" cy="0"/>
+          <a:chOff x="0" y="0"/>
+          <a:chExt cx="0" cy="0"/>
+        </a:xfrm>
+      </p:grpSpPr>
+      <p:sp>
+        <p:nvSpPr>
+          <p:cNvPr id="2" name="Title 1">
+            <a:extLst>
+              <a:ext uri="{FF2B5EF4-FFF2-40B4-BE49-F238E27FC236}">
+                <a16:creationId xmlns:a16="http://schemas.microsoft.com/office/drawing/2014/main" id="{E084108C-D6D7-53D5-0B4B-3DBE3DB6C6DE}"/>
+              </a:ext>
+            </a:extLst>
+          </p:cNvPr>
+          <p:cNvSpPr>
+            <a:spLocks noGrp="1"/>
+          </p:cNvSpPr>
+          <p:nvPr>
+            <p:ph type="title"/>
+          </p:nvPr>
+        </p:nvSpPr>
+        <p:spPr/>
+        <p:txBody>
+          <a:bodyPr/>
+          <a:lstStyle/>
+          <a:p>
+            <a:r>
+              <a:rPr lang="en-GB" dirty="0"/>
+              <a:t>Spotify API Attributes</a:t>
+            </a:r>
+            <a:br>
+              <a:rPr lang="en-GB" dirty="0"/>
+            </a:br>
+            <a:br>
+              <a:rPr lang="en-GB" sz="1050" dirty="0"/>
+            </a:br>
+            <a:r>
+              <a:rPr lang="en-GB" sz="1050" dirty="0">
+                <a:latin typeface="Consolas" panose="020B0609020204030204" pitchFamily="49" charset="0"/>
+                <a:hlinkClick r:id="rId2"/>
+              </a:rPr>
+              <a:t>http://sortyourmusic.playlistmachinery.com/#:~:text=Tap%20into%20the%20power%20of%20Spotify%27s%20song%20attributes&amp;text=Energy%20-%20The%20energy%20of%20a,value%2C%20the%20louder%20the%20song.</a:t>
+            </a:r>
+            <a:endParaRPr lang="en-GB" dirty="0">
+              <a:latin typeface="Consolas" panose="020B0609020204030204" pitchFamily="49" charset="0"/>
+            </a:endParaRPr>
+          </a:p>
+        </p:txBody>
+      </p:sp>
+      <p:sp>
+        <p:nvSpPr>
+          <p:cNvPr id="3" name="Content Placeholder 2">
+            <a:extLst>
+              <a:ext uri="{FF2B5EF4-FFF2-40B4-BE49-F238E27FC236}">
+                <a16:creationId xmlns:a16="http://schemas.microsoft.com/office/drawing/2014/main" id="{E7A80D96-58FA-4E66-12D8-93677BD81EDA}"/>
+              </a:ext>
+            </a:extLst>
+          </p:cNvPr>
+          <p:cNvSpPr>
+            <a:spLocks noGrp="1"/>
+          </p:cNvSpPr>
+          <p:nvPr>
+            <p:ph idx="1"/>
+          </p:nvPr>
+        </p:nvSpPr>
+        <p:spPr/>
+        <p:txBody>
+          <a:bodyPr>
+            <a:normAutofit fontScale="92500" lnSpcReduction="20000"/>
+          </a:bodyPr>
+          <a:lstStyle/>
+          <a:p>
+            <a:pPr algn="l">
+              <a:buFont typeface="+mj-lt"/>
+              <a:buAutoNum type="arabicPeriod"/>
+            </a:pPr>
+            <a:r>
+              <a:rPr lang="en-GB" b="1" i="0" dirty="0">
+                <a:solidFill>
+                  <a:srgbClr val="2E2F33"/>
+                </a:solidFill>
+                <a:effectLst/>
+                <a:latin typeface="Circular"/>
+              </a:rPr>
+              <a:t>Energy</a:t>
+            </a:r>
+            <a:r>
+              <a:rPr lang="en-GB" b="0" i="0" dirty="0">
+                <a:solidFill>
+                  <a:srgbClr val="2E2F33"/>
+                </a:solidFill>
+                <a:effectLst/>
+                <a:latin typeface="Circular"/>
+              </a:rPr>
+              <a:t> - The energy of a song - the higher the value, the more energetic song (e.g. Get Out My Head by Redlight)</a:t>
+            </a:r>
+          </a:p>
+          <a:p>
+            <a:pPr algn="l">
+              <a:buFont typeface="+mj-lt"/>
+              <a:buAutoNum type="arabicPeriod"/>
+            </a:pPr>
+            <a:r>
+              <a:rPr lang="en-GB" b="1" i="0" dirty="0">
+                <a:solidFill>
+                  <a:srgbClr val="2E2F33"/>
+                </a:solidFill>
+                <a:effectLst/>
+                <a:latin typeface="Circular"/>
+              </a:rPr>
+              <a:t>Danceability</a:t>
+            </a:r>
+            <a:r>
+              <a:rPr lang="en-GB" b="0" i="0" dirty="0">
+                <a:solidFill>
+                  <a:srgbClr val="2E2F33"/>
+                </a:solidFill>
+                <a:effectLst/>
+                <a:latin typeface="Circular"/>
+              </a:rPr>
+              <a:t> - The higher the value, the easier it is to dance to this song. (e.g. It’s Tricky by Run DMC)</a:t>
+            </a:r>
+          </a:p>
+          <a:p>
+            <a:pPr algn="l">
+              <a:buFont typeface="+mj-lt"/>
+              <a:buAutoNum type="arabicPeriod"/>
+            </a:pPr>
+            <a:r>
+              <a:rPr lang="en-GB" b="1" i="0" dirty="0">
+                <a:solidFill>
+                  <a:srgbClr val="2E2F33"/>
+                </a:solidFill>
+                <a:effectLst/>
+                <a:latin typeface="Circular"/>
+              </a:rPr>
+              <a:t>Loudness </a:t>
+            </a:r>
+            <a:r>
+              <a:rPr lang="en-GB" b="0" i="0" dirty="0">
+                <a:solidFill>
+                  <a:srgbClr val="2E2F33"/>
+                </a:solidFill>
+                <a:effectLst/>
+                <a:latin typeface="Circular"/>
+              </a:rPr>
+              <a:t>- The higher the value, the louder the song. (e.g. Any song by Slipknot)</a:t>
+            </a:r>
+          </a:p>
+          <a:p>
+            <a:pPr algn="l">
+              <a:buFont typeface="+mj-lt"/>
+              <a:buAutoNum type="arabicPeriod"/>
+            </a:pPr>
+            <a:r>
+              <a:rPr lang="en-GB" b="1" i="0" dirty="0">
+                <a:solidFill>
+                  <a:srgbClr val="2E2F33"/>
+                </a:solidFill>
+                <a:effectLst/>
+                <a:latin typeface="Circular"/>
+              </a:rPr>
+              <a:t>Valence </a:t>
+            </a:r>
+            <a:r>
+              <a:rPr lang="en-GB" b="0" i="0" dirty="0">
+                <a:solidFill>
+                  <a:srgbClr val="2E2F33"/>
+                </a:solidFill>
+                <a:effectLst/>
+                <a:latin typeface="Circular"/>
+              </a:rPr>
+              <a:t>- The higher the value, the more positive mood for the song. (e.g. </a:t>
+            </a:r>
+            <a:r>
+              <a:rPr lang="en-GB" dirty="0">
+                <a:solidFill>
+                  <a:srgbClr val="2E2F33"/>
+                </a:solidFill>
+                <a:latin typeface="Circular"/>
+              </a:rPr>
+              <a:t>Happy by Pharrell Williams</a:t>
+            </a:r>
+            <a:r>
+              <a:rPr lang="en-GB" b="0" i="0" dirty="0">
+                <a:solidFill>
+                  <a:srgbClr val="2E2F33"/>
+                </a:solidFill>
+                <a:effectLst/>
+                <a:latin typeface="Circular"/>
+              </a:rPr>
+              <a:t>)</a:t>
+            </a:r>
+          </a:p>
+          <a:p>
+            <a:pPr algn="l">
+              <a:buFont typeface="+mj-lt"/>
+              <a:buAutoNum type="arabicPeriod"/>
+            </a:pPr>
+            <a:r>
+              <a:rPr lang="en-GB" b="1" i="0" dirty="0">
+                <a:solidFill>
+                  <a:srgbClr val="2E2F33"/>
+                </a:solidFill>
+                <a:effectLst/>
+                <a:latin typeface="Circular"/>
+              </a:rPr>
+              <a:t>Length </a:t>
+            </a:r>
+            <a:r>
+              <a:rPr lang="en-GB" b="0" i="0" dirty="0">
+                <a:solidFill>
+                  <a:srgbClr val="2E2F33"/>
+                </a:solidFill>
+                <a:effectLst/>
+                <a:latin typeface="Circular"/>
+              </a:rPr>
+              <a:t>- The duration of the song. (e.g. Master of Puppets by Metallica)</a:t>
+            </a:r>
+          </a:p>
+          <a:p>
+            <a:pPr algn="l">
+              <a:buFont typeface="+mj-lt"/>
+              <a:buAutoNum type="arabicPeriod"/>
+            </a:pPr>
+            <a:r>
+              <a:rPr lang="en-GB" b="1" i="0" dirty="0">
+                <a:solidFill>
+                  <a:srgbClr val="2E2F33"/>
+                </a:solidFill>
+                <a:effectLst/>
+                <a:latin typeface="Circular"/>
+              </a:rPr>
+              <a:t>Acoustic </a:t>
+            </a:r>
+            <a:r>
+              <a:rPr lang="en-GB" b="0" i="0" dirty="0">
+                <a:solidFill>
+                  <a:srgbClr val="2E2F33"/>
+                </a:solidFill>
+                <a:effectLst/>
+                <a:latin typeface="Circular"/>
+              </a:rPr>
+              <a:t>- The higher the value the more acoustic the song is. (Most Classical Music)</a:t>
+            </a:r>
+          </a:p>
+          <a:p>
+            <a:pPr algn="l">
+              <a:buFont typeface="+mj-lt"/>
+              <a:buAutoNum type="arabicPeriod"/>
+            </a:pPr>
+            <a:r>
+              <a:rPr lang="en-GB" b="1" i="0" dirty="0">
+                <a:solidFill>
+                  <a:srgbClr val="2E2F33"/>
+                </a:solidFill>
+                <a:effectLst/>
+                <a:latin typeface="Circular"/>
+              </a:rPr>
+              <a:t>Popularity </a:t>
+            </a:r>
+            <a:r>
+              <a:rPr lang="en-GB" b="0" i="0" dirty="0">
+                <a:solidFill>
+                  <a:srgbClr val="2E2F33"/>
+                </a:solidFill>
+                <a:effectLst/>
+                <a:latin typeface="Circular"/>
+              </a:rPr>
+              <a:t>- The higher the value the more popular the song is. (At the time this database was recorded, the most popular song was Blinding Lights by The WEEKND)</a:t>
+            </a:r>
+          </a:p>
+        </p:txBody>
+      </p:sp>
+    </p:spTree>
+    <p:extLst>
+      <p:ext uri="{BB962C8B-B14F-4D97-AF65-F5344CB8AC3E}">
+        <p14:creationId xmlns:p14="http://schemas.microsoft.com/office/powerpoint/2010/main" val="2755510867"/>
+      </p:ext>
+    </p:extLst>
+  </p:cSld>
+  <p:clrMapOvr>
+    <a:masterClrMapping/>
+  </p:clrMapOvr>
+</p:sld>
+</file>
+
+<file path=ppt/slides/slide5.xml><?xml version="1.0" encoding="utf-8"?>
+<p:sld xmlns:a="http://schemas.openxmlformats.org/drawingml/2006/main" xmlns:r="http://schemas.openxmlformats.org/officeDocument/2006/relationships" xmlns:p="http://schemas.openxmlformats.org/presentationml/2006/main">
+  <p:cSld>
+    <p:spTree>
+      <p:nvGrpSpPr>
+        <p:cNvPr id="1" name=""/>
+        <p:cNvGrpSpPr/>
+        <p:nvPr/>
+      </p:nvGrpSpPr>
+      <p:grpSpPr>
+        <a:xfrm>
+          <a:off x="0" y="0"/>
+          <a:ext cx="0" cy="0"/>
+          <a:chOff x="0" y="0"/>
+          <a:chExt cx="0" cy="0"/>
+        </a:xfrm>
+      </p:grpSpPr>
+      <p:sp>
+        <p:nvSpPr>
+          <p:cNvPr id="2" name="Title 1">
+            <a:extLst>
+              <a:ext uri="{FF2B5EF4-FFF2-40B4-BE49-F238E27FC236}">
+                <a16:creationId xmlns:a16="http://schemas.microsoft.com/office/drawing/2014/main" id="{F936DA7E-3F4B-20A5-85CC-EEC9FDF22910}"/>
+              </a:ext>
+            </a:extLst>
+          </p:cNvPr>
+          <p:cNvSpPr>
+            <a:spLocks noGrp="1"/>
+          </p:cNvSpPr>
+          <p:nvPr>
+            <p:ph type="title"/>
+          </p:nvPr>
+        </p:nvSpPr>
+        <p:spPr/>
+        <p:txBody>
+          <a:bodyPr/>
+          <a:lstStyle/>
+          <a:p>
+            <a:r>
+              <a:rPr lang="en-GB"/>
+              <a:t>GUI</a:t>
+            </a:r>
+            <a:endParaRPr lang="en-GB" dirty="0"/>
+          </a:p>
+        </p:txBody>
+      </p:sp>
+      <p:pic>
+        <p:nvPicPr>
+          <p:cNvPr id="7" name="Content Placeholder 6">
+            <a:extLst>
+              <a:ext uri="{FF2B5EF4-FFF2-40B4-BE49-F238E27FC236}">
+                <a16:creationId xmlns:a16="http://schemas.microsoft.com/office/drawing/2014/main" id="{16DDC5B8-1F33-1B6A-BA86-3F83A8E8D8EB}"/>
+              </a:ext>
+            </a:extLst>
+          </p:cNvPr>
+          <p:cNvPicPr>
+            <a:picLocks noGrp="1" noChangeAspect="1"/>
+          </p:cNvPicPr>
+          <p:nvPr>
+            <p:ph idx="1"/>
+          </p:nvPr>
+        </p:nvPicPr>
+        <p:blipFill>
+          <a:blip r:embed="rId2"/>
+          <a:stretch>
+            <a:fillRect/>
+          </a:stretch>
+        </p:blipFill>
+        <p:spPr>
+          <a:xfrm>
+            <a:off x="758952" y="1938129"/>
+            <a:ext cx="1981477" cy="2981741"/>
+          </a:xfrm>
+        </p:spPr>
+      </p:pic>
+      <p:pic>
+        <p:nvPicPr>
+          <p:cNvPr id="9" name="Picture 8">
+            <a:extLst>
+              <a:ext uri="{FF2B5EF4-FFF2-40B4-BE49-F238E27FC236}">
+                <a16:creationId xmlns:a16="http://schemas.microsoft.com/office/drawing/2014/main" id="{A3C78E7A-6A97-2F95-21B0-55B784552A3D}"/>
+              </a:ext>
+            </a:extLst>
+          </p:cNvPr>
+          <p:cNvPicPr>
+            <a:picLocks noChangeAspect="1"/>
+          </p:cNvPicPr>
+          <p:nvPr/>
+        </p:nvPicPr>
+        <p:blipFill>
+          <a:blip r:embed="rId3"/>
+          <a:stretch>
+            <a:fillRect/>
+          </a:stretch>
+        </p:blipFill>
+        <p:spPr>
+          <a:xfrm>
+            <a:off x="3202299" y="564283"/>
+            <a:ext cx="8230749" cy="5144218"/>
+          </a:xfrm>
+          <a:prstGeom prst="rect">
+            <a:avLst/>
+          </a:prstGeom>
+        </p:spPr>
+      </p:pic>
+    </p:spTree>
+    <p:extLst>
+      <p:ext uri="{BB962C8B-B14F-4D97-AF65-F5344CB8AC3E}">
+        <p14:creationId xmlns:p14="http://schemas.microsoft.com/office/powerpoint/2010/main" val="1288727695"/>
+      </p:ext>
+    </p:extLst>
+  </p:cSld>
+  <p:clrMapOvr>
+    <a:masterClrMapping/>
+  </p:clrMapOvr>
+</p:sld>
+</file>
+
+<file path=ppt/slides/slide6.xml><?xml version="1.0" encoding="utf-8"?>
+<p:sld xmlns:a="http://schemas.openxmlformats.org/drawingml/2006/main" xmlns:r="http://schemas.openxmlformats.org/officeDocument/2006/relationships" xmlns:p="http://schemas.openxmlformats.org/presentationml/2006/main">
+  <p:cSld>
+    <p:spTree>
+      <p:nvGrpSpPr>
+        <p:cNvPr id="1" name=""/>
+        <p:cNvGrpSpPr/>
+        <p:nvPr/>
+      </p:nvGrpSpPr>
+      <p:grpSpPr>
+        <a:xfrm>
+          <a:off x="0" y="0"/>
+          <a:ext cx="0" cy="0"/>
+          <a:chOff x="0" y="0"/>
+          <a:chExt cx="0" cy="0"/>
+        </a:xfrm>
+      </p:grpSpPr>
+      <p:sp>
+        <p:nvSpPr>
+          <p:cNvPr id="2" name="Title 1">
+            <a:extLst>
+              <a:ext uri="{FF2B5EF4-FFF2-40B4-BE49-F238E27FC236}">
+                <a16:creationId xmlns:a16="http://schemas.microsoft.com/office/drawing/2014/main" id="{F47B66AA-2276-8BA4-3AF3-FC41CDBACEBF}"/>
+              </a:ext>
+            </a:extLst>
+          </p:cNvPr>
+          <p:cNvSpPr>
+            <a:spLocks noGrp="1"/>
+          </p:cNvSpPr>
+          <p:nvPr>
+            <p:ph type="title"/>
+          </p:nvPr>
+        </p:nvSpPr>
+        <p:spPr/>
+        <p:txBody>
+          <a:bodyPr/>
+          <a:lstStyle/>
+          <a:p>
+            <a:r>
+              <a:rPr lang="en-GB" dirty="0"/>
+              <a:t>Code Segment 1</a:t>
+            </a:r>
+            <a:br>
+              <a:rPr lang="en-GB" dirty="0"/>
+            </a:br>
+            <a:r>
+              <a:rPr lang="en-GB" dirty="0"/>
+              <a:t>- Sorting by Features</a:t>
+            </a:r>
+          </a:p>
+        </p:txBody>
+      </p:sp>
+      <p:pic>
+        <p:nvPicPr>
+          <p:cNvPr id="5" name="Content Placeholder 4">
+            <a:extLst>
+              <a:ext uri="{FF2B5EF4-FFF2-40B4-BE49-F238E27FC236}">
+                <a16:creationId xmlns:a16="http://schemas.microsoft.com/office/drawing/2014/main" id="{6EDBC2C8-D6AB-B6A1-73AB-6CB1292489CA}"/>
+              </a:ext>
+            </a:extLst>
+          </p:cNvPr>
+          <p:cNvPicPr>
+            <a:picLocks noGrp="1" noChangeAspect="1"/>
+          </p:cNvPicPr>
+          <p:nvPr>
+            <p:ph idx="1"/>
+          </p:nvPr>
+        </p:nvPicPr>
+        <p:blipFill>
+          <a:blip r:embed="rId2"/>
+          <a:stretch>
+            <a:fillRect/>
+          </a:stretch>
+        </p:blipFill>
+        <p:spPr>
+          <a:xfrm>
+            <a:off x="5482831" y="2426395"/>
+            <a:ext cx="5649113" cy="1419423"/>
+          </a:xfrm>
+        </p:spPr>
+      </p:pic>
+    </p:spTree>
+    <p:extLst>
+      <p:ext uri="{BB962C8B-B14F-4D97-AF65-F5344CB8AC3E}">
+        <p14:creationId xmlns:p14="http://schemas.microsoft.com/office/powerpoint/2010/main" val="4223028197"/>
+      </p:ext>
+    </p:extLst>
+  </p:cSld>
+  <p:clrMapOvr>
+    <a:masterClrMapping/>
+  </p:clrMapOvr>
+</p:sld>
+</file>
+
+<file path=ppt/slides/slide7.xml><?xml version="1.0" encoding="utf-8"?>
+<p:sld xmlns:a="http://schemas.openxmlformats.org/drawingml/2006/main" xmlns:r="http://schemas.openxmlformats.org/officeDocument/2006/relationships" xmlns:p="http://schemas.openxmlformats.org/presentationml/2006/main">
+  <p:cSld>
+    <p:spTree>
+      <p:nvGrpSpPr>
+        <p:cNvPr id="1" name=""/>
+        <p:cNvGrpSpPr/>
+        <p:nvPr/>
+      </p:nvGrpSpPr>
+      <p:grpSpPr>
+        <a:xfrm>
+          <a:off x="0" y="0"/>
+          <a:ext cx="0" cy="0"/>
+          <a:chOff x="0" y="0"/>
+          <a:chExt cx="0" cy="0"/>
+        </a:xfrm>
+      </p:grpSpPr>
+      <p:sp>
+        <p:nvSpPr>
+          <p:cNvPr id="2" name="Title 1">
+            <a:extLst>
+              <a:ext uri="{FF2B5EF4-FFF2-40B4-BE49-F238E27FC236}">
+                <a16:creationId xmlns:a16="http://schemas.microsoft.com/office/drawing/2014/main" id="{F497120F-06F5-9243-A616-E82B8850B373}"/>
+              </a:ext>
+            </a:extLst>
+          </p:cNvPr>
+          <p:cNvSpPr>
+            <a:spLocks noGrp="1"/>
+          </p:cNvSpPr>
+          <p:nvPr>
+            <p:ph type="title"/>
+          </p:nvPr>
+        </p:nvSpPr>
+        <p:spPr/>
+        <p:txBody>
+          <a:bodyPr>
+            <a:normAutofit fontScale="90000"/>
+          </a:bodyPr>
+          <a:lstStyle/>
+          <a:p>
+            <a:r>
+              <a:rPr lang="en-GB" dirty="0"/>
+              <a:t>Code Segment 2</a:t>
+            </a:r>
+            <a:br>
+              <a:rPr lang="en-GB" dirty="0"/>
+            </a:br>
+            <a:r>
+              <a:rPr lang="en-GB" dirty="0"/>
+              <a:t>- Searching by Name (Artist or Song Title)</a:t>
+            </a:r>
+          </a:p>
+        </p:txBody>
+      </p:sp>
+      <p:pic>
+        <p:nvPicPr>
+          <p:cNvPr id="5" name="Content Placeholder 4">
+            <a:extLst>
+              <a:ext uri="{FF2B5EF4-FFF2-40B4-BE49-F238E27FC236}">
+                <a16:creationId xmlns:a16="http://schemas.microsoft.com/office/drawing/2014/main" id="{6D34B9C3-9CC6-2F62-6AD9-DAB1EED80958}"/>
+              </a:ext>
+            </a:extLst>
+          </p:cNvPr>
+          <p:cNvPicPr>
+            <a:picLocks noGrp="1" noChangeAspect="1"/>
+          </p:cNvPicPr>
+          <p:nvPr>
+            <p:ph idx="1"/>
+          </p:nvPr>
+        </p:nvPicPr>
+        <p:blipFill>
+          <a:blip r:embed="rId2"/>
+          <a:stretch>
+            <a:fillRect/>
+          </a:stretch>
+        </p:blipFill>
+        <p:spPr>
+          <a:xfrm>
+            <a:off x="6102042" y="2283500"/>
+            <a:ext cx="4410691" cy="1705213"/>
+          </a:xfrm>
+        </p:spPr>
+      </p:pic>
+    </p:spTree>
+    <p:extLst>
+      <p:ext uri="{BB962C8B-B14F-4D97-AF65-F5344CB8AC3E}">
+        <p14:creationId xmlns:p14="http://schemas.microsoft.com/office/powerpoint/2010/main" val="2967291321"/>
+      </p:ext>
+    </p:extLst>
+  </p:cSld>
+  <p:clrMapOvr>
+    <a:masterClrMapping/>
+  </p:clrMapOvr>
+</p:sld>
+</file>
+
+<file path=ppt/slides/slide8.xml><?xml version="1.0" encoding="utf-8"?>
+<p:sld xmlns:a="http://schemas.openxmlformats.org/drawingml/2006/main" xmlns:r="http://schemas.openxmlformats.org/officeDocument/2006/relationships" xmlns:p="http://schemas.openxmlformats.org/presentationml/2006/main">
+  <p:cSld>
+    <p:spTree>
+      <p:nvGrpSpPr>
+        <p:cNvPr id="1" name=""/>
+        <p:cNvGrpSpPr/>
+        <p:nvPr/>
+      </p:nvGrpSpPr>
+      <p:grpSpPr>
+        <a:xfrm>
+          <a:off x="0" y="0"/>
+          <a:ext cx="0" cy="0"/>
+          <a:chOff x="0" y="0"/>
+          <a:chExt cx="0" cy="0"/>
+        </a:xfrm>
+      </p:grpSpPr>
+      <p:sp>
+        <p:nvSpPr>
+          <p:cNvPr id="2" name="Title 1">
+            <a:extLst>
+              <a:ext uri="{FF2B5EF4-FFF2-40B4-BE49-F238E27FC236}">
+                <a16:creationId xmlns:a16="http://schemas.microsoft.com/office/drawing/2014/main" id="{BE7D12D8-2FD4-E231-8AE8-6B5EBBE28DBA}"/>
+              </a:ext>
+            </a:extLst>
+          </p:cNvPr>
+          <p:cNvSpPr>
+            <a:spLocks noGrp="1"/>
+          </p:cNvSpPr>
+          <p:nvPr>
+            <p:ph type="title"/>
+          </p:nvPr>
+        </p:nvSpPr>
+        <p:spPr/>
+        <p:txBody>
+          <a:bodyPr/>
+          <a:lstStyle/>
+          <a:p>
+            <a:r>
+              <a:rPr lang="en-GB" dirty="0"/>
+              <a:t>Code Segment 3</a:t>
+            </a:r>
+            <a:br>
+              <a:rPr lang="en-GB" dirty="0"/>
+            </a:br>
+            <a:r>
+              <a:rPr lang="en-GB" dirty="0"/>
+              <a:t>- Shows Artists Top Songs</a:t>
+            </a:r>
+          </a:p>
+        </p:txBody>
+      </p:sp>
+      <p:pic>
+        <p:nvPicPr>
+          <p:cNvPr id="5" name="Content Placeholder 4">
+            <a:extLst>
+              <a:ext uri="{FF2B5EF4-FFF2-40B4-BE49-F238E27FC236}">
+                <a16:creationId xmlns:a16="http://schemas.microsoft.com/office/drawing/2014/main" id="{B2C834BC-FC0E-AFD2-D53A-787D54C57C8D}"/>
+              </a:ext>
+            </a:extLst>
+          </p:cNvPr>
+          <p:cNvPicPr>
+            <a:picLocks noGrp="1" noChangeAspect="1"/>
+          </p:cNvPicPr>
+          <p:nvPr>
+            <p:ph idx="1"/>
+          </p:nvPr>
+        </p:nvPicPr>
+        <p:blipFill>
+          <a:blip r:embed="rId2"/>
+          <a:stretch>
+            <a:fillRect/>
+          </a:stretch>
+        </p:blipFill>
+        <p:spPr>
+          <a:xfrm>
+            <a:off x="5835305" y="1950078"/>
+            <a:ext cx="4944165" cy="2372056"/>
+          </a:xfrm>
+        </p:spPr>
+      </p:pic>
+    </p:spTree>
+    <p:extLst>
+      <p:ext uri="{BB962C8B-B14F-4D97-AF65-F5344CB8AC3E}">
+        <p14:creationId xmlns:p14="http://schemas.microsoft.com/office/powerpoint/2010/main" val="1650515266"/>
+      </p:ext>
+    </p:extLst>
+  </p:cSld>
+  <p:clrMapOvr>
+    <a:masterClrMapping/>
+  </p:clrMapOvr>
+</p:sld>
+</file>
+
+<file path=ppt/slides/slide9.xml><?xml version="1.0" encoding="utf-8"?>
+<p:sld xmlns:a="http://schemas.openxmlformats.org/drawingml/2006/main" xmlns:r="http://schemas.openxmlformats.org/officeDocument/2006/relationships" xmlns:p="http://schemas.openxmlformats.org/presentationml/2006/main">
+  <p:cSld>
+    <p:spTree>
+      <p:nvGrpSpPr>
+        <p:cNvPr id="1" name=""/>
+        <p:cNvGrpSpPr/>
+        <p:nvPr/>
+      </p:nvGrpSpPr>
+      <p:grpSpPr>
+        <a:xfrm>
+          <a:off x="0" y="0"/>
+          <a:ext cx="0" cy="0"/>
+          <a:chOff x="0" y="0"/>
+          <a:chExt cx="0" cy="0"/>
+        </a:xfrm>
+      </p:grpSpPr>
+      <p:sp>
+        <p:nvSpPr>
+          <p:cNvPr id="2" name="Title 1">
+            <a:extLst>
+              <a:ext uri="{FF2B5EF4-FFF2-40B4-BE49-F238E27FC236}">
+                <a16:creationId xmlns:a16="http://schemas.microsoft.com/office/drawing/2014/main" id="{435C0554-5AAF-0AB6-106F-EB77E88F3506}"/>
+              </a:ext>
+            </a:extLst>
+          </p:cNvPr>
+          <p:cNvSpPr>
+            <a:spLocks noGrp="1"/>
+          </p:cNvSpPr>
+          <p:nvPr>
+            <p:ph type="title"/>
+          </p:nvPr>
+        </p:nvSpPr>
+        <p:spPr/>
+        <p:txBody>
+          <a:bodyPr>
+            <a:normAutofit fontScale="90000"/>
+          </a:bodyPr>
+          <a:lstStyle/>
+          <a:p>
+            <a:r>
+              <a:rPr lang="en-GB" dirty="0"/>
+              <a:t>Dylan -Average Danceability and Energy for songs released during COVID-19</a:t>
+            </a:r>
+          </a:p>
+        </p:txBody>
+      </p:sp>
+      <p:pic>
+        <p:nvPicPr>
+          <p:cNvPr id="4" name="Content Placeholder 3">
+            <a:extLst>
+              <a:ext uri="{FF2B5EF4-FFF2-40B4-BE49-F238E27FC236}">
+                <a16:creationId xmlns:a16="http://schemas.microsoft.com/office/drawing/2014/main" id="{8B30EB49-C05C-7420-D0FC-14FBCA293BA1}"/>
+              </a:ext>
+            </a:extLst>
+          </p:cNvPr>
+          <p:cNvPicPr>
+            <a:picLocks noGrp="1" noChangeAspect="1"/>
+          </p:cNvPicPr>
+          <p:nvPr>
+            <p:ph idx="1"/>
+          </p:nvPr>
+        </p:nvPicPr>
+        <p:blipFill>
+          <a:blip r:embed="rId2"/>
+          <a:stretch>
+            <a:fillRect/>
+          </a:stretch>
+        </p:blipFill>
+        <p:spPr>
+          <a:xfrm>
+            <a:off x="5570165" y="758825"/>
+            <a:ext cx="5474444" cy="4754563"/>
+          </a:xfrm>
+          <a:prstGeom prst="rect">
+            <a:avLst/>
+          </a:prstGeom>
+        </p:spPr>
+      </p:pic>
+    </p:spTree>
+    <p:extLst>
+      <p:ext uri="{BB962C8B-B14F-4D97-AF65-F5344CB8AC3E}">
+        <p14:creationId xmlns:p14="http://schemas.microsoft.com/office/powerpoint/2010/main" val="2998059534"/>
       </p:ext>
     </p:extLst>
   </p:cSld>
